--- a/trialmarkers.pptx
+++ b/trialmarkers.pptx
@@ -7,6 +7,9 @@
   <p:sldIdLst>
     <p:sldId id="257" r:id="rId2"/>
     <p:sldId id="259" r:id="rId3"/>
+    <p:sldId id="260" r:id="rId4"/>
+    <p:sldId id="261" r:id="rId5"/>
+    <p:sldId id="262" r:id="rId6"/>
   </p:sldIdLst>
   <p:sldSz cx="12192000" cy="6858000"/>
   <p:notesSz cx="6858000" cy="9144000"/>
@@ -105,6 +108,11 @@
       </a:defRPr>
     </a:lvl9pPr>
   </p:defaultTextStyle>
+  <p:extLst>
+    <p:ext uri="{EFAFB233-063F-42B5-8137-9DF3F51BA10A}">
+      <p15:sldGuideLst xmlns:p15="http://schemas.microsoft.com/office/powerpoint/2012/main"/>
+    </p:ext>
+  </p:extLst>
 </p:presentation>
 </file>
 
@@ -255,7 +263,7 @@
           <a:p>
             <a:fld id="{2C267EC4-01EB-6746-88D9-CD2C789C4F7B}" type="datetimeFigureOut">
               <a:rPr lang="en-US" smtClean="0"/>
-              <a:t>9/24/19</a:t>
+              <a:t>9/25/19</a:t>
             </a:fld>
             <a:endParaRPr lang="en-US"/>
           </a:p>
@@ -453,7 +461,7 @@
           <a:p>
             <a:fld id="{2C267EC4-01EB-6746-88D9-CD2C789C4F7B}" type="datetimeFigureOut">
               <a:rPr lang="en-US" smtClean="0"/>
-              <a:t>9/24/19</a:t>
+              <a:t>9/25/19</a:t>
             </a:fld>
             <a:endParaRPr lang="en-US"/>
           </a:p>
@@ -661,7 +669,7 @@
           <a:p>
             <a:fld id="{2C267EC4-01EB-6746-88D9-CD2C789C4F7B}" type="datetimeFigureOut">
               <a:rPr lang="en-US" smtClean="0"/>
-              <a:t>9/24/19</a:t>
+              <a:t>9/25/19</a:t>
             </a:fld>
             <a:endParaRPr lang="en-US"/>
           </a:p>
@@ -859,7 +867,7 @@
           <a:p>
             <a:fld id="{2C267EC4-01EB-6746-88D9-CD2C789C4F7B}" type="datetimeFigureOut">
               <a:rPr lang="en-US" smtClean="0"/>
-              <a:t>9/24/19</a:t>
+              <a:t>9/25/19</a:t>
             </a:fld>
             <a:endParaRPr lang="en-US"/>
           </a:p>
@@ -1134,7 +1142,7 @@
           <a:p>
             <a:fld id="{2C267EC4-01EB-6746-88D9-CD2C789C4F7B}" type="datetimeFigureOut">
               <a:rPr lang="en-US" smtClean="0"/>
-              <a:t>9/24/19</a:t>
+              <a:t>9/25/19</a:t>
             </a:fld>
             <a:endParaRPr lang="en-US"/>
           </a:p>
@@ -1399,7 +1407,7 @@
           <a:p>
             <a:fld id="{2C267EC4-01EB-6746-88D9-CD2C789C4F7B}" type="datetimeFigureOut">
               <a:rPr lang="en-US" smtClean="0"/>
-              <a:t>9/24/19</a:t>
+              <a:t>9/25/19</a:t>
             </a:fld>
             <a:endParaRPr lang="en-US"/>
           </a:p>
@@ -1811,7 +1819,7 @@
           <a:p>
             <a:fld id="{2C267EC4-01EB-6746-88D9-CD2C789C4F7B}" type="datetimeFigureOut">
               <a:rPr lang="en-US" smtClean="0"/>
-              <a:t>9/24/19</a:t>
+              <a:t>9/25/19</a:t>
             </a:fld>
             <a:endParaRPr lang="en-US"/>
           </a:p>
@@ -1952,7 +1960,7 @@
           <a:p>
             <a:fld id="{2C267EC4-01EB-6746-88D9-CD2C789C4F7B}" type="datetimeFigureOut">
               <a:rPr lang="en-US" smtClean="0"/>
-              <a:t>9/24/19</a:t>
+              <a:t>9/25/19</a:t>
             </a:fld>
             <a:endParaRPr lang="en-US"/>
           </a:p>
@@ -2065,7 +2073,7 @@
           <a:p>
             <a:fld id="{2C267EC4-01EB-6746-88D9-CD2C789C4F7B}" type="datetimeFigureOut">
               <a:rPr lang="en-US" smtClean="0"/>
-              <a:t>9/24/19</a:t>
+              <a:t>9/25/19</a:t>
             </a:fld>
             <a:endParaRPr lang="en-US"/>
           </a:p>
@@ -2376,7 +2384,7 @@
           <a:p>
             <a:fld id="{2C267EC4-01EB-6746-88D9-CD2C789C4F7B}" type="datetimeFigureOut">
               <a:rPr lang="en-US" smtClean="0"/>
-              <a:t>9/24/19</a:t>
+              <a:t>9/25/19</a:t>
             </a:fld>
             <a:endParaRPr lang="en-US"/>
           </a:p>
@@ -2664,7 +2672,7 @@
           <a:p>
             <a:fld id="{2C267EC4-01EB-6746-88D9-CD2C789C4F7B}" type="datetimeFigureOut">
               <a:rPr lang="en-US" smtClean="0"/>
-              <a:t>9/24/19</a:t>
+              <a:t>9/25/19</a:t>
             </a:fld>
             <a:endParaRPr lang="en-US"/>
           </a:p>
@@ -2905,7 +2913,7 @@
           <a:p>
             <a:fld id="{2C267EC4-01EB-6746-88D9-CD2C789C4F7B}" type="datetimeFigureOut">
               <a:rPr lang="en-US" smtClean="0"/>
-              <a:t>9/24/19</a:t>
+              <a:t>9/25/19</a:t>
             </a:fld>
             <a:endParaRPr lang="en-US"/>
           </a:p>
@@ -5117,6 +5125,4563 @@
 </p:sld>
 </file>
 
+<file path=ppt/slides/slide3.xml><?xml version="1.0" encoding="utf-8"?>
+<p:sld xmlns:a="http://schemas.openxmlformats.org/drawingml/2006/main" xmlns:r="http://schemas.openxmlformats.org/officeDocument/2006/relationships" xmlns:p="http://schemas.openxmlformats.org/presentationml/2006/main">
+  <p:cSld>
+    <p:spTree>
+      <p:nvGrpSpPr>
+        <p:cNvPr id="1" name=""/>
+        <p:cNvGrpSpPr/>
+        <p:nvPr/>
+      </p:nvGrpSpPr>
+      <p:grpSpPr>
+        <a:xfrm>
+          <a:off x="0" y="0"/>
+          <a:ext cx="0" cy="0"/>
+          <a:chOff x="0" y="0"/>
+          <a:chExt cx="0" cy="0"/>
+        </a:xfrm>
+      </p:grpSpPr>
+      <p:grpSp>
+        <p:nvGrpSpPr>
+          <p:cNvPr id="2" name="Group 1">
+            <a:extLst>
+              <a:ext uri="{FF2B5EF4-FFF2-40B4-BE49-F238E27FC236}">
+                <a16:creationId xmlns:a16="http://schemas.microsoft.com/office/drawing/2014/main" id="{0F66EA05-0AF9-A743-8342-7B34A689C727}"/>
+              </a:ext>
+            </a:extLst>
+          </p:cNvPr>
+          <p:cNvGrpSpPr/>
+          <p:nvPr/>
+        </p:nvGrpSpPr>
+        <p:grpSpPr>
+          <a:xfrm>
+            <a:off x="-834912" y="524210"/>
+            <a:ext cx="12922834" cy="5672518"/>
+            <a:chOff x="-834912" y="524210"/>
+            <a:chExt cx="12922834" cy="5672518"/>
+          </a:xfrm>
+        </p:grpSpPr>
+        <p:cxnSp>
+          <p:nvCxnSpPr>
+            <p:cNvPr id="3" name="Straight Connector 2">
+              <a:extLst>
+                <a:ext uri="{FF2B5EF4-FFF2-40B4-BE49-F238E27FC236}">
+                  <a16:creationId xmlns:a16="http://schemas.microsoft.com/office/drawing/2014/main" id="{6E62DBE0-735E-2E4D-8882-99B690D5DFE3}"/>
+                </a:ext>
+              </a:extLst>
+            </p:cNvPr>
+            <p:cNvCxnSpPr/>
+            <p:nvPr/>
+          </p:nvCxnSpPr>
+          <p:spPr>
+            <a:xfrm>
+              <a:off x="122663" y="3429000"/>
+              <a:ext cx="11965259" cy="0"/>
+            </a:xfrm>
+            <a:prstGeom prst="line">
+              <a:avLst/>
+            </a:prstGeom>
+            <a:ln w="38100">
+              <a:solidFill>
+                <a:schemeClr val="bg2">
+                  <a:lumMod val="25000"/>
+                </a:schemeClr>
+              </a:solidFill>
+            </a:ln>
+          </p:spPr>
+          <p:style>
+            <a:lnRef idx="1">
+              <a:schemeClr val="accent1"/>
+            </a:lnRef>
+            <a:fillRef idx="0">
+              <a:schemeClr val="accent1"/>
+            </a:fillRef>
+            <a:effectRef idx="0">
+              <a:schemeClr val="accent1"/>
+            </a:effectRef>
+            <a:fontRef idx="minor">
+              <a:schemeClr val="tx1"/>
+            </a:fontRef>
+          </p:style>
+        </p:cxnSp>
+        <p:cxnSp>
+          <p:nvCxnSpPr>
+            <p:cNvPr id="5" name="Straight Connector 4">
+              <a:extLst>
+                <a:ext uri="{FF2B5EF4-FFF2-40B4-BE49-F238E27FC236}">
+                  <a16:creationId xmlns:a16="http://schemas.microsoft.com/office/drawing/2014/main" id="{1A5685E9-F38D-F14A-8212-302985C36232}"/>
+                </a:ext>
+              </a:extLst>
+            </p:cNvPr>
+            <p:cNvCxnSpPr>
+              <a:cxnSpLocks/>
+            </p:cNvCxnSpPr>
+            <p:nvPr/>
+          </p:nvCxnSpPr>
+          <p:spPr>
+            <a:xfrm>
+              <a:off x="584325" y="2971800"/>
+              <a:ext cx="0" cy="914400"/>
+            </a:xfrm>
+            <a:prstGeom prst="line">
+              <a:avLst/>
+            </a:prstGeom>
+            <a:ln w="28575">
+              <a:solidFill>
+                <a:schemeClr val="accent6">
+                  <a:lumMod val="75000"/>
+                </a:schemeClr>
+              </a:solidFill>
+            </a:ln>
+          </p:spPr>
+          <p:style>
+            <a:lnRef idx="1">
+              <a:schemeClr val="accent1"/>
+            </a:lnRef>
+            <a:fillRef idx="0">
+              <a:schemeClr val="accent1"/>
+            </a:fillRef>
+            <a:effectRef idx="0">
+              <a:schemeClr val="accent1"/>
+            </a:effectRef>
+            <a:fontRef idx="minor">
+              <a:schemeClr val="tx1"/>
+            </a:fontRef>
+          </p:style>
+        </p:cxnSp>
+        <p:cxnSp>
+          <p:nvCxnSpPr>
+            <p:cNvPr id="7" name="Straight Connector 6">
+              <a:extLst>
+                <a:ext uri="{FF2B5EF4-FFF2-40B4-BE49-F238E27FC236}">
+                  <a16:creationId xmlns:a16="http://schemas.microsoft.com/office/drawing/2014/main" id="{38D3C2A9-413D-144B-9A81-F38FF9FFA690}"/>
+                </a:ext>
+              </a:extLst>
+            </p:cNvPr>
+            <p:cNvCxnSpPr>
+              <a:cxnSpLocks/>
+            </p:cNvCxnSpPr>
+            <p:nvPr/>
+          </p:nvCxnSpPr>
+          <p:spPr>
+            <a:xfrm>
+              <a:off x="4193599" y="2971800"/>
+              <a:ext cx="0" cy="914400"/>
+            </a:xfrm>
+            <a:prstGeom prst="line">
+              <a:avLst/>
+            </a:prstGeom>
+            <a:ln w="28575">
+              <a:solidFill>
+                <a:schemeClr val="tx2">
+                  <a:lumMod val="75000"/>
+                </a:schemeClr>
+              </a:solidFill>
+            </a:ln>
+          </p:spPr>
+          <p:style>
+            <a:lnRef idx="1">
+              <a:schemeClr val="accent1"/>
+            </a:lnRef>
+            <a:fillRef idx="0">
+              <a:schemeClr val="accent1"/>
+            </a:fillRef>
+            <a:effectRef idx="0">
+              <a:schemeClr val="accent1"/>
+            </a:effectRef>
+            <a:fontRef idx="minor">
+              <a:schemeClr val="tx1"/>
+            </a:fontRef>
+          </p:style>
+        </p:cxnSp>
+        <p:cxnSp>
+          <p:nvCxnSpPr>
+            <p:cNvPr id="9" name="Straight Connector 8">
+              <a:extLst>
+                <a:ext uri="{FF2B5EF4-FFF2-40B4-BE49-F238E27FC236}">
+                  <a16:creationId xmlns:a16="http://schemas.microsoft.com/office/drawing/2014/main" id="{CFFF027F-063B-A24A-BC62-92FCBD47DAB2}"/>
+                </a:ext>
+              </a:extLst>
+            </p:cNvPr>
+            <p:cNvCxnSpPr>
+              <a:cxnSpLocks/>
+            </p:cNvCxnSpPr>
+            <p:nvPr/>
+          </p:nvCxnSpPr>
+          <p:spPr>
+            <a:xfrm>
+              <a:off x="7693036" y="3200400"/>
+              <a:ext cx="0" cy="457200"/>
+            </a:xfrm>
+            <a:prstGeom prst="line">
+              <a:avLst/>
+            </a:prstGeom>
+            <a:ln w="28575">
+              <a:solidFill>
+                <a:schemeClr val="tx2">
+                  <a:lumMod val="75000"/>
+                </a:schemeClr>
+              </a:solidFill>
+            </a:ln>
+          </p:spPr>
+          <p:style>
+            <a:lnRef idx="1">
+              <a:schemeClr val="accent1"/>
+            </a:lnRef>
+            <a:fillRef idx="0">
+              <a:schemeClr val="accent1"/>
+            </a:fillRef>
+            <a:effectRef idx="0">
+              <a:schemeClr val="accent1"/>
+            </a:effectRef>
+            <a:fontRef idx="minor">
+              <a:schemeClr val="tx1"/>
+            </a:fontRef>
+          </p:style>
+        </p:cxnSp>
+        <p:cxnSp>
+          <p:nvCxnSpPr>
+            <p:cNvPr id="10" name="Straight Connector 9">
+              <a:extLst>
+                <a:ext uri="{FF2B5EF4-FFF2-40B4-BE49-F238E27FC236}">
+                  <a16:creationId xmlns:a16="http://schemas.microsoft.com/office/drawing/2014/main" id="{BCECE865-5C7B-D341-B72C-F3F4D1918845}"/>
+                </a:ext>
+              </a:extLst>
+            </p:cNvPr>
+            <p:cNvCxnSpPr>
+              <a:cxnSpLocks/>
+            </p:cNvCxnSpPr>
+            <p:nvPr/>
+          </p:nvCxnSpPr>
+          <p:spPr>
+            <a:xfrm>
+              <a:off x="9067888" y="3200400"/>
+              <a:ext cx="0" cy="457200"/>
+            </a:xfrm>
+            <a:prstGeom prst="line">
+              <a:avLst/>
+            </a:prstGeom>
+            <a:ln w="28575">
+              <a:solidFill>
+                <a:schemeClr val="tx2">
+                  <a:lumMod val="75000"/>
+                </a:schemeClr>
+              </a:solidFill>
+            </a:ln>
+          </p:spPr>
+          <p:style>
+            <a:lnRef idx="1">
+              <a:schemeClr val="accent1"/>
+            </a:lnRef>
+            <a:fillRef idx="0">
+              <a:schemeClr val="accent1"/>
+            </a:fillRef>
+            <a:effectRef idx="0">
+              <a:schemeClr val="accent1"/>
+            </a:effectRef>
+            <a:fontRef idx="minor">
+              <a:schemeClr val="tx1"/>
+            </a:fontRef>
+          </p:style>
+        </p:cxnSp>
+        <p:cxnSp>
+          <p:nvCxnSpPr>
+            <p:cNvPr id="11" name="Straight Connector 10">
+              <a:extLst>
+                <a:ext uri="{FF2B5EF4-FFF2-40B4-BE49-F238E27FC236}">
+                  <a16:creationId xmlns:a16="http://schemas.microsoft.com/office/drawing/2014/main" id="{A58AAFD1-74B8-C044-BEFB-8BAB31146368}"/>
+                </a:ext>
+              </a:extLst>
+            </p:cNvPr>
+            <p:cNvCxnSpPr>
+              <a:cxnSpLocks/>
+            </p:cNvCxnSpPr>
+            <p:nvPr/>
+          </p:nvCxnSpPr>
+          <p:spPr>
+            <a:xfrm>
+              <a:off x="11894635" y="2971800"/>
+              <a:ext cx="0" cy="914400"/>
+            </a:xfrm>
+            <a:prstGeom prst="line">
+              <a:avLst/>
+            </a:prstGeom>
+            <a:ln w="28575">
+              <a:solidFill>
+                <a:srgbClr val="C00000"/>
+              </a:solidFill>
+            </a:ln>
+          </p:spPr>
+          <p:style>
+            <a:lnRef idx="1">
+              <a:schemeClr val="accent1"/>
+            </a:lnRef>
+            <a:fillRef idx="0">
+              <a:schemeClr val="accent1"/>
+            </a:fillRef>
+            <a:effectRef idx="0">
+              <a:schemeClr val="accent1"/>
+            </a:effectRef>
+            <a:fontRef idx="minor">
+              <a:schemeClr val="tx1"/>
+            </a:fontRef>
+          </p:style>
+        </p:cxnSp>
+        <p:sp>
+          <p:nvSpPr>
+            <p:cNvPr id="12" name="TextBox 11">
+              <a:extLst>
+                <a:ext uri="{FF2B5EF4-FFF2-40B4-BE49-F238E27FC236}">
+                  <a16:creationId xmlns:a16="http://schemas.microsoft.com/office/drawing/2014/main" id="{665549DA-43DD-8947-8AF6-E370FD9E43C7}"/>
+                </a:ext>
+              </a:extLst>
+            </p:cNvPr>
+            <p:cNvSpPr txBox="1"/>
+            <p:nvPr/>
+          </p:nvSpPr>
+          <p:spPr>
+            <a:xfrm>
+              <a:off x="4732578" y="1728435"/>
+              <a:ext cx="1061766" cy="707886"/>
+            </a:xfrm>
+            <a:prstGeom prst="rect">
+              <a:avLst/>
+            </a:prstGeom>
+            <a:noFill/>
+          </p:spPr>
+          <p:txBody>
+            <a:bodyPr wrap="none" rtlCol="0">
+              <a:spAutoFit/>
+            </a:bodyPr>
+            <a:lstStyle/>
+            <a:p>
+              <a:pPr algn="ctr"/>
+              <a:r>
+                <a:rPr lang="en-US" sz="4000" dirty="0"/>
+                <a:t>Trial</a:t>
+              </a:r>
+            </a:p>
+          </p:txBody>
+        </p:sp>
+        <p:sp>
+          <p:nvSpPr>
+            <p:cNvPr id="13" name="TextBox 12">
+              <a:extLst>
+                <a:ext uri="{FF2B5EF4-FFF2-40B4-BE49-F238E27FC236}">
+                  <a16:creationId xmlns:a16="http://schemas.microsoft.com/office/drawing/2014/main" id="{67E57915-D57C-504B-8AC9-12343E3A40D3}"/>
+                </a:ext>
+              </a:extLst>
+            </p:cNvPr>
+            <p:cNvSpPr txBox="1"/>
+            <p:nvPr/>
+          </p:nvSpPr>
+          <p:spPr>
+            <a:xfrm>
+              <a:off x="2443071" y="1851546"/>
+              <a:ext cx="1222707" cy="461665"/>
+            </a:xfrm>
+            <a:prstGeom prst="rect">
+              <a:avLst/>
+            </a:prstGeom>
+            <a:noFill/>
+          </p:spPr>
+          <p:txBody>
+            <a:bodyPr wrap="none" rtlCol="0">
+              <a:spAutoFit/>
+            </a:bodyPr>
+            <a:lstStyle/>
+            <a:p>
+              <a:pPr algn="ctr"/>
+              <a:r>
+                <a:rPr lang="en-US" sz="2400" dirty="0"/>
+                <a:t>Pre-Trial</a:t>
+              </a:r>
+            </a:p>
+          </p:txBody>
+        </p:sp>
+        <p:sp>
+          <p:nvSpPr>
+            <p:cNvPr id="14" name="TextBox 13">
+              <a:extLst>
+                <a:ext uri="{FF2B5EF4-FFF2-40B4-BE49-F238E27FC236}">
+                  <a16:creationId xmlns:a16="http://schemas.microsoft.com/office/drawing/2014/main" id="{8EB81DBD-433C-6F47-BDCB-A5789DE85E6B}"/>
+                </a:ext>
+              </a:extLst>
+            </p:cNvPr>
+            <p:cNvSpPr txBox="1"/>
+            <p:nvPr/>
+          </p:nvSpPr>
+          <p:spPr>
+            <a:xfrm>
+              <a:off x="-834912" y="4628645"/>
+              <a:ext cx="2001638" cy="338554"/>
+            </a:xfrm>
+            <a:prstGeom prst="rect">
+              <a:avLst/>
+            </a:prstGeom>
+            <a:noFill/>
+          </p:spPr>
+          <p:txBody>
+            <a:bodyPr wrap="none" rtlCol="0">
+              <a:spAutoFit/>
+            </a:bodyPr>
+            <a:lstStyle/>
+            <a:p>
+              <a:pPr algn="ctr"/>
+              <a:r>
+                <a:rPr lang="en-US" sz="1600" dirty="0" err="1"/>
+                <a:t>starttracking.message</a:t>
+              </a:r>
+              <a:endParaRPr lang="en-US" sz="1600" dirty="0"/>
+            </a:p>
+          </p:txBody>
+        </p:sp>
+        <p:cxnSp>
+          <p:nvCxnSpPr>
+            <p:cNvPr id="16" name="Straight Arrow Connector 15">
+              <a:extLst>
+                <a:ext uri="{FF2B5EF4-FFF2-40B4-BE49-F238E27FC236}">
+                  <a16:creationId xmlns:a16="http://schemas.microsoft.com/office/drawing/2014/main" id="{0FE338FE-93AB-7D46-9F27-02D875511FFB}"/>
+                </a:ext>
+              </a:extLst>
+            </p:cNvPr>
+            <p:cNvCxnSpPr>
+              <a:stCxn id="14" idx="0"/>
+            </p:cNvCxnSpPr>
+            <p:nvPr/>
+          </p:nvCxnSpPr>
+          <p:spPr>
+            <a:xfrm flipV="1">
+              <a:off x="165907" y="3945523"/>
+              <a:ext cx="340358" cy="683122"/>
+            </a:xfrm>
+            <a:prstGeom prst="straightConnector1">
+              <a:avLst/>
+            </a:prstGeom>
+            <a:ln w="19050">
+              <a:solidFill>
+                <a:schemeClr val="tx1"/>
+              </a:solidFill>
+              <a:tailEnd type="triangle"/>
+            </a:ln>
+          </p:spPr>
+          <p:style>
+            <a:lnRef idx="1">
+              <a:schemeClr val="accent1"/>
+            </a:lnRef>
+            <a:fillRef idx="0">
+              <a:schemeClr val="accent1"/>
+            </a:fillRef>
+            <a:effectRef idx="0">
+              <a:schemeClr val="accent1"/>
+            </a:effectRef>
+            <a:fontRef idx="minor">
+              <a:schemeClr val="tx1"/>
+            </a:fontRef>
+          </p:style>
+        </p:cxnSp>
+        <p:sp>
+          <p:nvSpPr>
+            <p:cNvPr id="17" name="TextBox 16">
+              <a:extLst>
+                <a:ext uri="{FF2B5EF4-FFF2-40B4-BE49-F238E27FC236}">
+                  <a16:creationId xmlns:a16="http://schemas.microsoft.com/office/drawing/2014/main" id="{5E5F3C1D-FE7D-0543-BBB0-09AF422C249A}"/>
+                </a:ext>
+              </a:extLst>
+            </p:cNvPr>
+            <p:cNvSpPr txBox="1"/>
+            <p:nvPr/>
+          </p:nvSpPr>
+          <p:spPr>
+            <a:xfrm>
+              <a:off x="3315601" y="4628645"/>
+              <a:ext cx="1755995" cy="338554"/>
+            </a:xfrm>
+            <a:prstGeom prst="rect">
+              <a:avLst/>
+            </a:prstGeom>
+            <a:noFill/>
+          </p:spPr>
+          <p:txBody>
+            <a:bodyPr wrap="none" rtlCol="0">
+              <a:spAutoFit/>
+            </a:bodyPr>
+            <a:lstStyle/>
+            <a:p>
+              <a:pPr algn="ctr"/>
+              <a:r>
+                <a:rPr lang="en-US" sz="1600" dirty="0" err="1"/>
+                <a:t>trialonset.message</a:t>
+              </a:r>
+              <a:endParaRPr lang="en-US" sz="1600" dirty="0"/>
+            </a:p>
+          </p:txBody>
+        </p:sp>
+        <p:cxnSp>
+          <p:nvCxnSpPr>
+            <p:cNvPr id="18" name="Straight Arrow Connector 17">
+              <a:extLst>
+                <a:ext uri="{FF2B5EF4-FFF2-40B4-BE49-F238E27FC236}">
+                  <a16:creationId xmlns:a16="http://schemas.microsoft.com/office/drawing/2014/main" id="{A50C6D17-D119-8C4B-9F1C-C70536680BE5}"/>
+                </a:ext>
+              </a:extLst>
+            </p:cNvPr>
+            <p:cNvCxnSpPr>
+              <a:cxnSpLocks/>
+              <a:stCxn id="17" idx="0"/>
+            </p:cNvCxnSpPr>
+            <p:nvPr/>
+          </p:nvCxnSpPr>
+          <p:spPr>
+            <a:xfrm flipV="1">
+              <a:off x="4193599" y="4000501"/>
+              <a:ext cx="0" cy="628144"/>
+            </a:xfrm>
+            <a:prstGeom prst="straightConnector1">
+              <a:avLst/>
+            </a:prstGeom>
+            <a:ln w="19050">
+              <a:solidFill>
+                <a:schemeClr val="tx1"/>
+              </a:solidFill>
+              <a:tailEnd type="triangle"/>
+            </a:ln>
+          </p:spPr>
+          <p:style>
+            <a:lnRef idx="1">
+              <a:schemeClr val="accent1"/>
+            </a:lnRef>
+            <a:fillRef idx="0">
+              <a:schemeClr val="accent1"/>
+            </a:fillRef>
+            <a:effectRef idx="0">
+              <a:schemeClr val="accent1"/>
+            </a:effectRef>
+            <a:fontRef idx="minor">
+              <a:schemeClr val="tx1"/>
+            </a:fontRef>
+          </p:style>
+        </p:cxnSp>
+        <p:sp>
+          <p:nvSpPr>
+            <p:cNvPr id="22" name="TextBox 21">
+              <a:extLst>
+                <a:ext uri="{FF2B5EF4-FFF2-40B4-BE49-F238E27FC236}">
+                  <a16:creationId xmlns:a16="http://schemas.microsoft.com/office/drawing/2014/main" id="{ED24D1F5-AF9A-C743-B7E4-3B80C28736F4}"/>
+                </a:ext>
+              </a:extLst>
+            </p:cNvPr>
+            <p:cNvSpPr txBox="1"/>
+            <p:nvPr/>
+          </p:nvSpPr>
+          <p:spPr>
+            <a:xfrm>
+              <a:off x="2339249" y="3590688"/>
+              <a:ext cx="1556516" cy="338554"/>
+            </a:xfrm>
+            <a:prstGeom prst="rect">
+              <a:avLst/>
+            </a:prstGeom>
+            <a:noFill/>
+          </p:spPr>
+          <p:txBody>
+            <a:bodyPr wrap="none" rtlCol="0">
+              <a:spAutoFit/>
+            </a:bodyPr>
+            <a:lstStyle/>
+            <a:p>
+              <a:pPr algn="ctr"/>
+              <a:r>
+                <a:rPr lang="en-US" sz="1600" dirty="0" err="1"/>
+                <a:t>pretrial.duration</a:t>
+              </a:r>
+              <a:endParaRPr lang="en-US" sz="1600" dirty="0"/>
+            </a:p>
+          </p:txBody>
+        </p:sp>
+        <p:cxnSp>
+          <p:nvCxnSpPr>
+            <p:cNvPr id="23" name="Straight Arrow Connector 22">
+              <a:extLst>
+                <a:ext uri="{FF2B5EF4-FFF2-40B4-BE49-F238E27FC236}">
+                  <a16:creationId xmlns:a16="http://schemas.microsoft.com/office/drawing/2014/main" id="{9F86BFD9-2269-D24D-AC81-C446899E2807}"/>
+                </a:ext>
+              </a:extLst>
+            </p:cNvPr>
+            <p:cNvCxnSpPr>
+              <a:cxnSpLocks/>
+            </p:cNvCxnSpPr>
+            <p:nvPr/>
+          </p:nvCxnSpPr>
+          <p:spPr>
+            <a:xfrm flipH="1">
+              <a:off x="2167797" y="3568392"/>
+              <a:ext cx="1918011" cy="0"/>
+            </a:xfrm>
+            <a:prstGeom prst="straightConnector1">
+              <a:avLst/>
+            </a:prstGeom>
+            <a:ln w="19050">
+              <a:solidFill>
+                <a:schemeClr val="tx1"/>
+              </a:solidFill>
+              <a:tailEnd type="triangle"/>
+            </a:ln>
+          </p:spPr>
+          <p:style>
+            <a:lnRef idx="1">
+              <a:schemeClr val="accent1"/>
+            </a:lnRef>
+            <a:fillRef idx="0">
+              <a:schemeClr val="accent1"/>
+            </a:fillRef>
+            <a:effectRef idx="0">
+              <a:schemeClr val="accent1"/>
+            </a:effectRef>
+            <a:fontRef idx="minor">
+              <a:schemeClr val="tx1"/>
+            </a:fontRef>
+          </p:style>
+        </p:cxnSp>
+        <p:sp>
+          <p:nvSpPr>
+            <p:cNvPr id="28" name="TextBox 27">
+              <a:extLst>
+                <a:ext uri="{FF2B5EF4-FFF2-40B4-BE49-F238E27FC236}">
+                  <a16:creationId xmlns:a16="http://schemas.microsoft.com/office/drawing/2014/main" id="{D92D3E4D-1AEE-CD42-92D8-36567E615138}"/>
+                </a:ext>
+              </a:extLst>
+            </p:cNvPr>
+            <p:cNvSpPr txBox="1"/>
+            <p:nvPr/>
+          </p:nvSpPr>
+          <p:spPr>
+            <a:xfrm>
+              <a:off x="3825840" y="2610951"/>
+              <a:ext cx="735521" cy="338554"/>
+            </a:xfrm>
+            <a:prstGeom prst="rect">
+              <a:avLst/>
+            </a:prstGeom>
+            <a:noFill/>
+          </p:spPr>
+          <p:txBody>
+            <a:bodyPr wrap="none" rtlCol="0">
+              <a:spAutoFit/>
+            </a:bodyPr>
+            <a:lstStyle/>
+            <a:p>
+              <a:pPr algn="ctr"/>
+              <a:r>
+                <a:rPr lang="en-US" sz="1600" dirty="0"/>
+                <a:t>Tone 1</a:t>
+              </a:r>
+            </a:p>
+          </p:txBody>
+        </p:sp>
+        <p:sp>
+          <p:nvSpPr>
+            <p:cNvPr id="35" name="TextBox 34">
+              <a:extLst>
+                <a:ext uri="{FF2B5EF4-FFF2-40B4-BE49-F238E27FC236}">
+                  <a16:creationId xmlns:a16="http://schemas.microsoft.com/office/drawing/2014/main" id="{92E731FE-C96C-934B-9BBC-09039C036C42}"/>
+                </a:ext>
+              </a:extLst>
+            </p:cNvPr>
+            <p:cNvSpPr txBox="1"/>
+            <p:nvPr/>
+          </p:nvSpPr>
+          <p:spPr>
+            <a:xfrm>
+              <a:off x="7329025" y="2857501"/>
+              <a:ext cx="735522" cy="338554"/>
+            </a:xfrm>
+            <a:prstGeom prst="rect">
+              <a:avLst/>
+            </a:prstGeom>
+            <a:noFill/>
+          </p:spPr>
+          <p:txBody>
+            <a:bodyPr wrap="none" rtlCol="0">
+              <a:spAutoFit/>
+            </a:bodyPr>
+            <a:lstStyle/>
+            <a:p>
+              <a:pPr algn="ctr"/>
+              <a:r>
+                <a:rPr lang="en-US" sz="1600" dirty="0"/>
+                <a:t>Tone 2</a:t>
+              </a:r>
+            </a:p>
+          </p:txBody>
+        </p:sp>
+        <p:sp>
+          <p:nvSpPr>
+            <p:cNvPr id="36" name="TextBox 35">
+              <a:extLst>
+                <a:ext uri="{FF2B5EF4-FFF2-40B4-BE49-F238E27FC236}">
+                  <a16:creationId xmlns:a16="http://schemas.microsoft.com/office/drawing/2014/main" id="{58C71149-BCDF-2042-AE30-12A31BB24CFF}"/>
+                </a:ext>
+              </a:extLst>
+            </p:cNvPr>
+            <p:cNvSpPr txBox="1"/>
+            <p:nvPr/>
+          </p:nvSpPr>
+          <p:spPr>
+            <a:xfrm>
+              <a:off x="3385396" y="5858174"/>
+              <a:ext cx="1616405" cy="338554"/>
+            </a:xfrm>
+            <a:prstGeom prst="rect">
+              <a:avLst/>
+            </a:prstGeom>
+            <a:noFill/>
+          </p:spPr>
+          <p:txBody>
+            <a:bodyPr wrap="none" rtlCol="0">
+              <a:spAutoFit/>
+            </a:bodyPr>
+            <a:lstStyle/>
+            <a:p>
+              <a:pPr algn="ctr"/>
+              <a:r>
+                <a:rPr lang="en-US" sz="1600" dirty="0" err="1"/>
+                <a:t>bconset.message</a:t>
+              </a:r>
+              <a:endParaRPr lang="en-US" sz="1600" dirty="0"/>
+            </a:p>
+          </p:txBody>
+        </p:sp>
+        <p:cxnSp>
+          <p:nvCxnSpPr>
+            <p:cNvPr id="37" name="Straight Arrow Connector 36">
+              <a:extLst>
+                <a:ext uri="{FF2B5EF4-FFF2-40B4-BE49-F238E27FC236}">
+                  <a16:creationId xmlns:a16="http://schemas.microsoft.com/office/drawing/2014/main" id="{70F801D0-F79C-EC4E-9F1C-359F5D8B4244}"/>
+                </a:ext>
+              </a:extLst>
+            </p:cNvPr>
+            <p:cNvCxnSpPr>
+              <a:cxnSpLocks/>
+              <a:stCxn id="36" idx="0"/>
+            </p:cNvCxnSpPr>
+            <p:nvPr/>
+          </p:nvCxnSpPr>
+          <p:spPr>
+            <a:xfrm flipV="1">
+              <a:off x="4193599" y="5001430"/>
+              <a:ext cx="0" cy="856744"/>
+            </a:xfrm>
+            <a:prstGeom prst="straightConnector1">
+              <a:avLst/>
+            </a:prstGeom>
+            <a:ln w="19050">
+              <a:solidFill>
+                <a:schemeClr val="tx1"/>
+              </a:solidFill>
+              <a:tailEnd type="triangle"/>
+            </a:ln>
+          </p:spPr>
+          <p:style>
+            <a:lnRef idx="1">
+              <a:schemeClr val="accent1"/>
+            </a:lnRef>
+            <a:fillRef idx="0">
+              <a:schemeClr val="accent1"/>
+            </a:fillRef>
+            <a:effectRef idx="0">
+              <a:schemeClr val="accent1"/>
+            </a:effectRef>
+            <a:fontRef idx="minor">
+              <a:schemeClr val="tx1"/>
+            </a:fontRef>
+          </p:style>
+        </p:cxnSp>
+        <p:cxnSp>
+          <p:nvCxnSpPr>
+            <p:cNvPr id="41" name="Straight Arrow Connector 40">
+              <a:extLst>
+                <a:ext uri="{FF2B5EF4-FFF2-40B4-BE49-F238E27FC236}">
+                  <a16:creationId xmlns:a16="http://schemas.microsoft.com/office/drawing/2014/main" id="{191542BA-9649-7F4F-82F2-8937F01057D9}"/>
+                </a:ext>
+              </a:extLst>
+            </p:cNvPr>
+            <p:cNvCxnSpPr>
+              <a:cxnSpLocks/>
+            </p:cNvCxnSpPr>
+            <p:nvPr/>
+          </p:nvCxnSpPr>
+          <p:spPr>
+            <a:xfrm flipH="1">
+              <a:off x="3210437" y="3290357"/>
+              <a:ext cx="875371" cy="0"/>
+            </a:xfrm>
+            <a:prstGeom prst="straightConnector1">
+              <a:avLst/>
+            </a:prstGeom>
+            <a:ln w="19050">
+              <a:solidFill>
+                <a:schemeClr val="tx1"/>
+              </a:solidFill>
+              <a:tailEnd type="triangle"/>
+            </a:ln>
+          </p:spPr>
+          <p:style>
+            <a:lnRef idx="1">
+              <a:schemeClr val="accent1"/>
+            </a:lnRef>
+            <a:fillRef idx="0">
+              <a:schemeClr val="accent1"/>
+            </a:fillRef>
+            <a:effectRef idx="0">
+              <a:schemeClr val="accent1"/>
+            </a:effectRef>
+            <a:fontRef idx="minor">
+              <a:schemeClr val="tx1"/>
+            </a:fontRef>
+          </p:style>
+        </p:cxnSp>
+        <p:sp>
+          <p:nvSpPr>
+            <p:cNvPr id="43" name="TextBox 42">
+              <a:extLst>
+                <a:ext uri="{FF2B5EF4-FFF2-40B4-BE49-F238E27FC236}">
+                  <a16:creationId xmlns:a16="http://schemas.microsoft.com/office/drawing/2014/main" id="{C128C75D-BF32-0945-B1C3-28B33052BF71}"/>
+                </a:ext>
+              </a:extLst>
+            </p:cNvPr>
+            <p:cNvSpPr txBox="1"/>
+            <p:nvPr/>
+          </p:nvSpPr>
+          <p:spPr>
+            <a:xfrm>
+              <a:off x="2666060" y="2880137"/>
+              <a:ext cx="1419748" cy="338554"/>
+            </a:xfrm>
+            <a:prstGeom prst="rect">
+              <a:avLst/>
+            </a:prstGeom>
+            <a:noFill/>
+          </p:spPr>
+          <p:txBody>
+            <a:bodyPr wrap="none" rtlCol="0">
+              <a:spAutoFit/>
+            </a:bodyPr>
+            <a:lstStyle/>
+            <a:p>
+              <a:pPr algn="ctr"/>
+              <a:r>
+                <a:rPr lang="en-US" sz="1600" dirty="0" err="1"/>
+                <a:t>prebc.duration</a:t>
+              </a:r>
+              <a:endParaRPr lang="en-US" sz="1600" dirty="0"/>
+            </a:p>
+          </p:txBody>
+        </p:sp>
+        <p:sp>
+          <p:nvSpPr>
+            <p:cNvPr id="44" name="TextBox 43">
+              <a:extLst>
+                <a:ext uri="{FF2B5EF4-FFF2-40B4-BE49-F238E27FC236}">
+                  <a16:creationId xmlns:a16="http://schemas.microsoft.com/office/drawing/2014/main" id="{1F13164B-763B-E344-ACA3-8EFEB2CF3769}"/>
+                </a:ext>
+              </a:extLst>
+            </p:cNvPr>
+            <p:cNvSpPr txBox="1"/>
+            <p:nvPr/>
+          </p:nvSpPr>
+          <p:spPr>
+            <a:xfrm>
+              <a:off x="8580925" y="2565112"/>
+              <a:ext cx="982577" cy="584775"/>
+            </a:xfrm>
+            <a:prstGeom prst="rect">
+              <a:avLst/>
+            </a:prstGeom>
+            <a:noFill/>
+          </p:spPr>
+          <p:txBody>
+            <a:bodyPr wrap="none" rtlCol="0">
+              <a:spAutoFit/>
+            </a:bodyPr>
+            <a:lstStyle/>
+            <a:p>
+              <a:pPr algn="ctr"/>
+              <a:r>
+                <a:rPr lang="en-US" sz="1600" dirty="0"/>
+                <a:t>Response</a:t>
+              </a:r>
+            </a:p>
+            <a:p>
+              <a:pPr algn="ctr"/>
+              <a:r>
+                <a:rPr lang="en-US" sz="1600" dirty="0"/>
+                <a:t>Start</a:t>
+              </a:r>
+            </a:p>
+          </p:txBody>
+        </p:sp>
+        <p:sp>
+          <p:nvSpPr>
+            <p:cNvPr id="45" name="TextBox 44">
+              <a:extLst>
+                <a:ext uri="{FF2B5EF4-FFF2-40B4-BE49-F238E27FC236}">
+                  <a16:creationId xmlns:a16="http://schemas.microsoft.com/office/drawing/2014/main" id="{9DB6ED7A-4C48-B048-966F-105FE8B026AD}"/>
+                </a:ext>
+              </a:extLst>
+            </p:cNvPr>
+            <p:cNvSpPr txBox="1"/>
+            <p:nvPr/>
+          </p:nvSpPr>
+          <p:spPr>
+            <a:xfrm>
+              <a:off x="588310" y="2868311"/>
+              <a:ext cx="1669817" cy="338554"/>
+            </a:xfrm>
+            <a:prstGeom prst="rect">
+              <a:avLst/>
+            </a:prstGeom>
+            <a:noFill/>
+          </p:spPr>
+          <p:txBody>
+            <a:bodyPr wrap="none" rtlCol="0">
+              <a:spAutoFit/>
+            </a:bodyPr>
+            <a:lstStyle/>
+            <a:p>
+              <a:pPr algn="ctr"/>
+              <a:r>
+                <a:rPr lang="en-US" sz="1600" dirty="0"/>
+                <a:t>Fixation (</a:t>
+              </a:r>
+              <a:r>
+                <a:rPr lang="en-US" sz="1600" dirty="0">
+                  <a:solidFill>
+                    <a:schemeClr val="accent5">
+                      <a:lumMod val="50000"/>
+                    </a:schemeClr>
+                  </a:solidFill>
+                </a:rPr>
+                <a:t>3000ms</a:t>
+              </a:r>
+              <a:r>
+                <a:rPr lang="en-US" sz="1600" dirty="0"/>
+                <a:t>)</a:t>
+              </a:r>
+            </a:p>
+          </p:txBody>
+        </p:sp>
+        <p:cxnSp>
+          <p:nvCxnSpPr>
+            <p:cNvPr id="46" name="Straight Connector 45">
+              <a:extLst>
+                <a:ext uri="{FF2B5EF4-FFF2-40B4-BE49-F238E27FC236}">
+                  <a16:creationId xmlns:a16="http://schemas.microsoft.com/office/drawing/2014/main" id="{C7BB774B-16E2-7947-8AC5-5F27F915933D}"/>
+                </a:ext>
+              </a:extLst>
+            </p:cNvPr>
+            <p:cNvCxnSpPr>
+              <a:cxnSpLocks/>
+            </p:cNvCxnSpPr>
+            <p:nvPr/>
+          </p:nvCxnSpPr>
+          <p:spPr>
+            <a:xfrm>
+              <a:off x="1376056" y="3200400"/>
+              <a:ext cx="0" cy="457200"/>
+            </a:xfrm>
+            <a:prstGeom prst="line">
+              <a:avLst/>
+            </a:prstGeom>
+            <a:ln w="28575">
+              <a:solidFill>
+                <a:schemeClr val="tx2">
+                  <a:lumMod val="75000"/>
+                </a:schemeClr>
+              </a:solidFill>
+            </a:ln>
+          </p:spPr>
+          <p:style>
+            <a:lnRef idx="1">
+              <a:schemeClr val="accent1"/>
+            </a:lnRef>
+            <a:fillRef idx="0">
+              <a:schemeClr val="accent1"/>
+            </a:fillRef>
+            <a:effectRef idx="0">
+              <a:schemeClr val="accent1"/>
+            </a:effectRef>
+            <a:fontRef idx="minor">
+              <a:schemeClr val="tx1"/>
+            </a:fontRef>
+          </p:style>
+        </p:cxnSp>
+        <p:sp>
+          <p:nvSpPr>
+            <p:cNvPr id="47" name="TextBox 46">
+              <a:extLst>
+                <a:ext uri="{FF2B5EF4-FFF2-40B4-BE49-F238E27FC236}">
+                  <a16:creationId xmlns:a16="http://schemas.microsoft.com/office/drawing/2014/main" id="{96716345-08A4-DF47-9572-18DE7C27AE84}"/>
+                </a:ext>
+              </a:extLst>
+            </p:cNvPr>
+            <p:cNvSpPr txBox="1"/>
+            <p:nvPr/>
+          </p:nvSpPr>
+          <p:spPr>
+            <a:xfrm>
+              <a:off x="-263728" y="2452204"/>
+              <a:ext cx="1696106" cy="338554"/>
+            </a:xfrm>
+            <a:prstGeom prst="rect">
+              <a:avLst/>
+            </a:prstGeom>
+            <a:noFill/>
+          </p:spPr>
+          <p:txBody>
+            <a:bodyPr wrap="none" rtlCol="0">
+              <a:spAutoFit/>
+            </a:bodyPr>
+            <a:lstStyle/>
+            <a:p>
+              <a:pPr algn="ctr"/>
+              <a:r>
+                <a:rPr lang="en-US" sz="1600" dirty="0" err="1"/>
+                <a:t>StartTracking.bmp</a:t>
+              </a:r>
+              <a:endParaRPr lang="en-US" sz="1600" dirty="0"/>
+            </a:p>
+          </p:txBody>
+        </p:sp>
+        <p:sp>
+          <p:nvSpPr>
+            <p:cNvPr id="29" name="TextBox 28">
+              <a:extLst>
+                <a:ext uri="{FF2B5EF4-FFF2-40B4-BE49-F238E27FC236}">
+                  <a16:creationId xmlns:a16="http://schemas.microsoft.com/office/drawing/2014/main" id="{18F1EBA1-50DA-1D48-8F85-3C90A02BF6C0}"/>
+                </a:ext>
+              </a:extLst>
+            </p:cNvPr>
+            <p:cNvSpPr txBox="1"/>
+            <p:nvPr/>
+          </p:nvSpPr>
+          <p:spPr>
+            <a:xfrm>
+              <a:off x="2196569" y="524210"/>
+              <a:ext cx="7596823" cy="707886"/>
+            </a:xfrm>
+            <a:prstGeom prst="rect">
+              <a:avLst/>
+            </a:prstGeom>
+            <a:noFill/>
+          </p:spPr>
+          <p:txBody>
+            <a:bodyPr wrap="none" rtlCol="0">
+              <a:spAutoFit/>
+            </a:bodyPr>
+            <a:lstStyle/>
+            <a:p>
+              <a:pPr algn="ctr"/>
+              <a:r>
+                <a:rPr lang="en-US" sz="4000" dirty="0">
+                  <a:solidFill>
+                    <a:schemeClr val="tx1">
+                      <a:lumMod val="75000"/>
+                      <a:lumOff val="25000"/>
+                    </a:schemeClr>
+                  </a:solidFill>
+                </a:rPr>
+                <a:t>Pitch Discrimination Trial Procedure</a:t>
+              </a:r>
+            </a:p>
+          </p:txBody>
+        </p:sp>
+        <p:cxnSp>
+          <p:nvCxnSpPr>
+            <p:cNvPr id="31" name="Straight Connector 30">
+              <a:extLst>
+                <a:ext uri="{FF2B5EF4-FFF2-40B4-BE49-F238E27FC236}">
+                  <a16:creationId xmlns:a16="http://schemas.microsoft.com/office/drawing/2014/main" id="{08F8A326-1A01-BF4D-B2F8-BBD3928C66D1}"/>
+                </a:ext>
+              </a:extLst>
+            </p:cNvPr>
+            <p:cNvCxnSpPr>
+              <a:cxnSpLocks/>
+            </p:cNvCxnSpPr>
+            <p:nvPr/>
+          </p:nvCxnSpPr>
+          <p:spPr>
+            <a:xfrm>
+              <a:off x="5226262" y="3200399"/>
+              <a:ext cx="0" cy="457200"/>
+            </a:xfrm>
+            <a:prstGeom prst="line">
+              <a:avLst/>
+            </a:prstGeom>
+            <a:ln w="28575">
+              <a:solidFill>
+                <a:schemeClr val="tx2">
+                  <a:lumMod val="75000"/>
+                </a:schemeClr>
+              </a:solidFill>
+            </a:ln>
+          </p:spPr>
+          <p:style>
+            <a:lnRef idx="1">
+              <a:schemeClr val="accent1"/>
+            </a:lnRef>
+            <a:fillRef idx="0">
+              <a:schemeClr val="accent1"/>
+            </a:fillRef>
+            <a:effectRef idx="0">
+              <a:schemeClr val="accent1"/>
+            </a:effectRef>
+            <a:fontRef idx="minor">
+              <a:schemeClr val="tx1"/>
+            </a:fontRef>
+          </p:style>
+        </p:cxnSp>
+        <p:sp>
+          <p:nvSpPr>
+            <p:cNvPr id="32" name="TextBox 31">
+              <a:extLst>
+                <a:ext uri="{FF2B5EF4-FFF2-40B4-BE49-F238E27FC236}">
+                  <a16:creationId xmlns:a16="http://schemas.microsoft.com/office/drawing/2014/main" id="{EB14D8AA-71C1-5947-9266-D42F43085979}"/>
+                </a:ext>
+              </a:extLst>
+            </p:cNvPr>
+            <p:cNvSpPr txBox="1"/>
+            <p:nvPr/>
+          </p:nvSpPr>
+          <p:spPr>
+            <a:xfrm>
+              <a:off x="5039094" y="2857500"/>
+              <a:ext cx="381836" cy="338554"/>
+            </a:xfrm>
+            <a:prstGeom prst="rect">
+              <a:avLst/>
+            </a:prstGeom>
+            <a:noFill/>
+          </p:spPr>
+          <p:txBody>
+            <a:bodyPr wrap="none" rtlCol="0">
+              <a:spAutoFit/>
+            </a:bodyPr>
+            <a:lstStyle/>
+            <a:p>
+              <a:pPr algn="ctr"/>
+              <a:r>
+                <a:rPr lang="en-US" sz="1600" dirty="0"/>
+                <a:t>ISI</a:t>
+              </a:r>
+            </a:p>
+          </p:txBody>
+        </p:sp>
+        <p:cxnSp>
+          <p:nvCxnSpPr>
+            <p:cNvPr id="33" name="Straight Connector 32">
+              <a:extLst>
+                <a:ext uri="{FF2B5EF4-FFF2-40B4-BE49-F238E27FC236}">
+                  <a16:creationId xmlns:a16="http://schemas.microsoft.com/office/drawing/2014/main" id="{8681C19E-4139-D440-9091-362E0A7DBB25}"/>
+                </a:ext>
+              </a:extLst>
+            </p:cNvPr>
+            <p:cNvCxnSpPr>
+              <a:cxnSpLocks/>
+            </p:cNvCxnSpPr>
+            <p:nvPr/>
+          </p:nvCxnSpPr>
+          <p:spPr>
+            <a:xfrm>
+              <a:off x="10299576" y="3200400"/>
+              <a:ext cx="0" cy="457200"/>
+            </a:xfrm>
+            <a:prstGeom prst="line">
+              <a:avLst/>
+            </a:prstGeom>
+            <a:ln w="28575">
+              <a:solidFill>
+                <a:schemeClr val="tx2">
+                  <a:lumMod val="75000"/>
+                </a:schemeClr>
+              </a:solidFill>
+            </a:ln>
+          </p:spPr>
+          <p:style>
+            <a:lnRef idx="1">
+              <a:schemeClr val="accent1"/>
+            </a:lnRef>
+            <a:fillRef idx="0">
+              <a:schemeClr val="accent1"/>
+            </a:fillRef>
+            <a:effectRef idx="0">
+              <a:schemeClr val="accent1"/>
+            </a:effectRef>
+            <a:fontRef idx="minor">
+              <a:schemeClr val="tx1"/>
+            </a:fontRef>
+          </p:style>
+        </p:cxnSp>
+        <p:sp>
+          <p:nvSpPr>
+            <p:cNvPr id="34" name="TextBox 33">
+              <a:extLst>
+                <a:ext uri="{FF2B5EF4-FFF2-40B4-BE49-F238E27FC236}">
+                  <a16:creationId xmlns:a16="http://schemas.microsoft.com/office/drawing/2014/main" id="{517A89C6-8829-9343-9D72-A7A643D7296C}"/>
+                </a:ext>
+              </a:extLst>
+            </p:cNvPr>
+            <p:cNvSpPr txBox="1"/>
+            <p:nvPr/>
+          </p:nvSpPr>
+          <p:spPr>
+            <a:xfrm>
+              <a:off x="9833590" y="2565112"/>
+              <a:ext cx="982577" cy="584775"/>
+            </a:xfrm>
+            <a:prstGeom prst="rect">
+              <a:avLst/>
+            </a:prstGeom>
+            <a:noFill/>
+          </p:spPr>
+          <p:txBody>
+            <a:bodyPr wrap="none" rtlCol="0">
+              <a:spAutoFit/>
+            </a:bodyPr>
+            <a:lstStyle/>
+            <a:p>
+              <a:pPr algn="ctr"/>
+              <a:r>
+                <a:rPr lang="en-US" sz="1600" dirty="0"/>
+                <a:t>Response</a:t>
+              </a:r>
+            </a:p>
+            <a:p>
+              <a:pPr algn="ctr"/>
+              <a:r>
+                <a:rPr lang="en-US" sz="1600" dirty="0"/>
+                <a:t>Made</a:t>
+              </a:r>
+            </a:p>
+          </p:txBody>
+        </p:sp>
+        <p:cxnSp>
+          <p:nvCxnSpPr>
+            <p:cNvPr id="38" name="Straight Connector 37">
+              <a:extLst>
+                <a:ext uri="{FF2B5EF4-FFF2-40B4-BE49-F238E27FC236}">
+                  <a16:creationId xmlns:a16="http://schemas.microsoft.com/office/drawing/2014/main" id="{97EE6946-90F6-2849-B485-3E2D83F5EF87}"/>
+                </a:ext>
+              </a:extLst>
+            </p:cNvPr>
+            <p:cNvCxnSpPr>
+              <a:cxnSpLocks/>
+            </p:cNvCxnSpPr>
+            <p:nvPr/>
+          </p:nvCxnSpPr>
+          <p:spPr>
+            <a:xfrm>
+              <a:off x="11031588" y="3223036"/>
+              <a:ext cx="0" cy="457200"/>
+            </a:xfrm>
+            <a:prstGeom prst="line">
+              <a:avLst/>
+            </a:prstGeom>
+            <a:ln w="28575">
+              <a:solidFill>
+                <a:schemeClr val="tx2">
+                  <a:lumMod val="75000"/>
+                </a:schemeClr>
+              </a:solidFill>
+            </a:ln>
+          </p:spPr>
+          <p:style>
+            <a:lnRef idx="1">
+              <a:schemeClr val="accent1"/>
+            </a:lnRef>
+            <a:fillRef idx="0">
+              <a:schemeClr val="accent1"/>
+            </a:fillRef>
+            <a:effectRef idx="0">
+              <a:schemeClr val="accent1"/>
+            </a:effectRef>
+            <a:fontRef idx="minor">
+              <a:schemeClr val="tx1"/>
+            </a:fontRef>
+          </p:style>
+        </p:cxnSp>
+        <p:sp>
+          <p:nvSpPr>
+            <p:cNvPr id="39" name="TextBox 38">
+              <a:extLst>
+                <a:ext uri="{FF2B5EF4-FFF2-40B4-BE49-F238E27FC236}">
+                  <a16:creationId xmlns:a16="http://schemas.microsoft.com/office/drawing/2014/main" id="{E7BADDE0-52C9-DA42-8CA5-557570D1ADCF}"/>
+                </a:ext>
+              </a:extLst>
+            </p:cNvPr>
+            <p:cNvSpPr txBox="1"/>
+            <p:nvPr/>
+          </p:nvSpPr>
+          <p:spPr>
+            <a:xfrm>
+              <a:off x="10686878" y="2880137"/>
+              <a:ext cx="696922" cy="338554"/>
+            </a:xfrm>
+            <a:prstGeom prst="rect">
+              <a:avLst/>
+            </a:prstGeom>
+            <a:noFill/>
+          </p:spPr>
+          <p:txBody>
+            <a:bodyPr wrap="none" rtlCol="0">
+              <a:spAutoFit/>
+            </a:bodyPr>
+            <a:lstStyle/>
+            <a:p>
+              <a:pPr algn="ctr"/>
+              <a:r>
+                <a:rPr lang="en-US" sz="1600" dirty="0"/>
+                <a:t>Buffer</a:t>
+              </a:r>
+            </a:p>
+          </p:txBody>
+        </p:sp>
+        <p:sp>
+          <p:nvSpPr>
+            <p:cNvPr id="40" name="TextBox 39">
+              <a:extLst>
+                <a:ext uri="{FF2B5EF4-FFF2-40B4-BE49-F238E27FC236}">
+                  <a16:creationId xmlns:a16="http://schemas.microsoft.com/office/drawing/2014/main" id="{D4AC621E-DC0E-614A-AB30-506B9800135F}"/>
+                </a:ext>
+              </a:extLst>
+            </p:cNvPr>
+            <p:cNvSpPr txBox="1"/>
+            <p:nvPr/>
+          </p:nvSpPr>
+          <p:spPr>
+            <a:xfrm>
+              <a:off x="2681006" y="3959127"/>
+              <a:ext cx="891591" cy="338554"/>
+            </a:xfrm>
+            <a:prstGeom prst="rect">
+              <a:avLst/>
+            </a:prstGeom>
+            <a:noFill/>
+          </p:spPr>
+          <p:txBody>
+            <a:bodyPr wrap="none" rtlCol="0">
+              <a:spAutoFit/>
+            </a:bodyPr>
+            <a:lstStyle/>
+            <a:p>
+              <a:pPr algn="ctr"/>
+              <a:r>
+                <a:rPr lang="en-US" sz="1600" dirty="0">
+                  <a:solidFill>
+                    <a:schemeClr val="accent5">
+                      <a:lumMod val="50000"/>
+                    </a:schemeClr>
+                  </a:solidFill>
+                </a:rPr>
+                <a:t>2000 </a:t>
+              </a:r>
+              <a:r>
+                <a:rPr lang="en-US" sz="1600" dirty="0" err="1">
+                  <a:solidFill>
+                    <a:schemeClr val="accent5">
+                      <a:lumMod val="50000"/>
+                    </a:schemeClr>
+                  </a:solidFill>
+                </a:rPr>
+                <a:t>ms</a:t>
+              </a:r>
+              <a:endParaRPr lang="en-US" sz="1600" dirty="0">
+                <a:solidFill>
+                  <a:schemeClr val="accent5">
+                    <a:lumMod val="50000"/>
+                  </a:schemeClr>
+                </a:solidFill>
+              </a:endParaRPr>
+            </a:p>
+          </p:txBody>
+        </p:sp>
+        <p:sp>
+          <p:nvSpPr>
+            <p:cNvPr id="42" name="TextBox 41">
+              <a:extLst>
+                <a:ext uri="{FF2B5EF4-FFF2-40B4-BE49-F238E27FC236}">
+                  <a16:creationId xmlns:a16="http://schemas.microsoft.com/office/drawing/2014/main" id="{25712A30-7E01-B84E-821B-4BC5141E3466}"/>
+                </a:ext>
+              </a:extLst>
+            </p:cNvPr>
+            <p:cNvSpPr txBox="1"/>
+            <p:nvPr/>
+          </p:nvSpPr>
+          <p:spPr>
+            <a:xfrm>
+              <a:off x="2986940" y="2621481"/>
+              <a:ext cx="787395" cy="338554"/>
+            </a:xfrm>
+            <a:prstGeom prst="rect">
+              <a:avLst/>
+            </a:prstGeom>
+            <a:noFill/>
+          </p:spPr>
+          <p:txBody>
+            <a:bodyPr wrap="none" rtlCol="0">
+              <a:spAutoFit/>
+            </a:bodyPr>
+            <a:lstStyle/>
+            <a:p>
+              <a:pPr algn="ctr"/>
+              <a:r>
+                <a:rPr lang="en-US" sz="1600" dirty="0">
+                  <a:solidFill>
+                    <a:schemeClr val="accent5">
+                      <a:lumMod val="50000"/>
+                    </a:schemeClr>
+                  </a:solidFill>
+                </a:rPr>
+                <a:t>200 </a:t>
+              </a:r>
+              <a:r>
+                <a:rPr lang="en-US" sz="1600" dirty="0" err="1">
+                  <a:solidFill>
+                    <a:schemeClr val="accent5">
+                      <a:lumMod val="50000"/>
+                    </a:schemeClr>
+                  </a:solidFill>
+                </a:rPr>
+                <a:t>ms</a:t>
+              </a:r>
+              <a:endParaRPr lang="en-US" sz="1600" dirty="0">
+                <a:solidFill>
+                  <a:schemeClr val="accent5">
+                    <a:lumMod val="50000"/>
+                  </a:schemeClr>
+                </a:solidFill>
+              </a:endParaRPr>
+            </a:p>
+          </p:txBody>
+        </p:sp>
+        <p:sp>
+          <p:nvSpPr>
+            <p:cNvPr id="49" name="TextBox 48">
+              <a:extLst>
+                <a:ext uri="{FF2B5EF4-FFF2-40B4-BE49-F238E27FC236}">
+                  <a16:creationId xmlns:a16="http://schemas.microsoft.com/office/drawing/2014/main" id="{CEB867A4-0696-1740-818B-48E79F34CEEC}"/>
+                </a:ext>
+              </a:extLst>
+            </p:cNvPr>
+            <p:cNvSpPr txBox="1"/>
+            <p:nvPr/>
+          </p:nvSpPr>
+          <p:spPr>
+            <a:xfrm>
+              <a:off x="4293955" y="3564851"/>
+              <a:ext cx="787395" cy="338554"/>
+            </a:xfrm>
+            <a:prstGeom prst="rect">
+              <a:avLst/>
+            </a:prstGeom>
+            <a:noFill/>
+          </p:spPr>
+          <p:txBody>
+            <a:bodyPr wrap="none" rtlCol="0">
+              <a:spAutoFit/>
+            </a:bodyPr>
+            <a:lstStyle/>
+            <a:p>
+              <a:pPr algn="ctr"/>
+              <a:r>
+                <a:rPr lang="en-US" sz="1600" dirty="0">
+                  <a:solidFill>
+                    <a:schemeClr val="accent5">
+                      <a:lumMod val="50000"/>
+                    </a:schemeClr>
+                  </a:solidFill>
+                </a:rPr>
+                <a:t>200 </a:t>
+              </a:r>
+              <a:r>
+                <a:rPr lang="en-US" sz="1600" dirty="0" err="1">
+                  <a:solidFill>
+                    <a:schemeClr val="accent5">
+                      <a:lumMod val="50000"/>
+                    </a:schemeClr>
+                  </a:solidFill>
+                </a:rPr>
+                <a:t>ms</a:t>
+              </a:r>
+              <a:endParaRPr lang="en-US" sz="1600" dirty="0">
+                <a:solidFill>
+                  <a:schemeClr val="accent5">
+                    <a:lumMod val="50000"/>
+                  </a:schemeClr>
+                </a:solidFill>
+              </a:endParaRPr>
+            </a:p>
+          </p:txBody>
+        </p:sp>
+        <p:sp>
+          <p:nvSpPr>
+            <p:cNvPr id="50" name="TextBox 49">
+              <a:extLst>
+                <a:ext uri="{FF2B5EF4-FFF2-40B4-BE49-F238E27FC236}">
+                  <a16:creationId xmlns:a16="http://schemas.microsoft.com/office/drawing/2014/main" id="{125A23CA-9633-4F47-AED1-542C415DB519}"/>
+                </a:ext>
+              </a:extLst>
+            </p:cNvPr>
+            <p:cNvSpPr txBox="1"/>
+            <p:nvPr/>
+          </p:nvSpPr>
+          <p:spPr>
+            <a:xfrm>
+              <a:off x="6115955" y="3569942"/>
+              <a:ext cx="787395" cy="338554"/>
+            </a:xfrm>
+            <a:prstGeom prst="rect">
+              <a:avLst/>
+            </a:prstGeom>
+            <a:noFill/>
+          </p:spPr>
+          <p:txBody>
+            <a:bodyPr wrap="none" rtlCol="0">
+              <a:spAutoFit/>
+            </a:bodyPr>
+            <a:lstStyle/>
+            <a:p>
+              <a:pPr algn="ctr"/>
+              <a:r>
+                <a:rPr lang="en-US" sz="1600" dirty="0">
+                  <a:solidFill>
+                    <a:schemeClr val="accent5">
+                      <a:lumMod val="50000"/>
+                    </a:schemeClr>
+                  </a:solidFill>
+                </a:rPr>
+                <a:t>500 </a:t>
+              </a:r>
+              <a:r>
+                <a:rPr lang="en-US" sz="1600" dirty="0" err="1">
+                  <a:solidFill>
+                    <a:schemeClr val="accent5">
+                      <a:lumMod val="50000"/>
+                    </a:schemeClr>
+                  </a:solidFill>
+                </a:rPr>
+                <a:t>ms</a:t>
+              </a:r>
+              <a:endParaRPr lang="en-US" sz="1600" dirty="0">
+                <a:solidFill>
+                  <a:schemeClr val="accent5">
+                    <a:lumMod val="50000"/>
+                  </a:schemeClr>
+                </a:solidFill>
+              </a:endParaRPr>
+            </a:p>
+          </p:txBody>
+        </p:sp>
+        <p:sp>
+          <p:nvSpPr>
+            <p:cNvPr id="51" name="TextBox 50">
+              <a:extLst>
+                <a:ext uri="{FF2B5EF4-FFF2-40B4-BE49-F238E27FC236}">
+                  <a16:creationId xmlns:a16="http://schemas.microsoft.com/office/drawing/2014/main" id="{32131A50-AA4D-C846-AABD-CFD762873947}"/>
+                </a:ext>
+              </a:extLst>
+            </p:cNvPr>
+            <p:cNvSpPr txBox="1"/>
+            <p:nvPr/>
+          </p:nvSpPr>
+          <p:spPr>
+            <a:xfrm>
+              <a:off x="7985983" y="3569942"/>
+              <a:ext cx="787395" cy="338554"/>
+            </a:xfrm>
+            <a:prstGeom prst="rect">
+              <a:avLst/>
+            </a:prstGeom>
+            <a:noFill/>
+          </p:spPr>
+          <p:txBody>
+            <a:bodyPr wrap="none" rtlCol="0">
+              <a:spAutoFit/>
+            </a:bodyPr>
+            <a:lstStyle/>
+            <a:p>
+              <a:pPr algn="ctr"/>
+              <a:r>
+                <a:rPr lang="en-US" sz="1600" dirty="0">
+                  <a:solidFill>
+                    <a:schemeClr val="accent5">
+                      <a:lumMod val="50000"/>
+                    </a:schemeClr>
+                  </a:solidFill>
+                </a:rPr>
+                <a:t>200 </a:t>
+              </a:r>
+              <a:r>
+                <a:rPr lang="en-US" sz="1600" dirty="0" err="1">
+                  <a:solidFill>
+                    <a:schemeClr val="accent5">
+                      <a:lumMod val="50000"/>
+                    </a:schemeClr>
+                  </a:solidFill>
+                </a:rPr>
+                <a:t>ms</a:t>
+              </a:r>
+              <a:endParaRPr lang="en-US" sz="1600" dirty="0">
+                <a:solidFill>
+                  <a:schemeClr val="accent5">
+                    <a:lumMod val="50000"/>
+                  </a:schemeClr>
+                </a:solidFill>
+              </a:endParaRPr>
+            </a:p>
+          </p:txBody>
+        </p:sp>
+        <p:sp>
+          <p:nvSpPr>
+            <p:cNvPr id="52" name="TextBox 51">
+              <a:extLst>
+                <a:ext uri="{FF2B5EF4-FFF2-40B4-BE49-F238E27FC236}">
+                  <a16:creationId xmlns:a16="http://schemas.microsoft.com/office/drawing/2014/main" id="{FA713EF6-F49E-AD4D-B096-F9F4EC2F5FD9}"/>
+                </a:ext>
+              </a:extLst>
+            </p:cNvPr>
+            <p:cNvSpPr txBox="1"/>
+            <p:nvPr/>
+          </p:nvSpPr>
+          <p:spPr>
+            <a:xfrm>
+              <a:off x="9192444" y="3495741"/>
+              <a:ext cx="982577" cy="584775"/>
+            </a:xfrm>
+            <a:prstGeom prst="rect">
+              <a:avLst/>
+            </a:prstGeom>
+            <a:noFill/>
+          </p:spPr>
+          <p:txBody>
+            <a:bodyPr wrap="none" rtlCol="0">
+              <a:spAutoFit/>
+            </a:bodyPr>
+            <a:lstStyle/>
+            <a:p>
+              <a:pPr algn="ctr"/>
+              <a:r>
+                <a:rPr lang="en-US" sz="1600" dirty="0">
+                  <a:solidFill>
+                    <a:schemeClr val="accent5">
+                      <a:lumMod val="50000"/>
+                    </a:schemeClr>
+                  </a:solidFill>
+                </a:rPr>
+                <a:t>Until </a:t>
+              </a:r>
+            </a:p>
+            <a:p>
+              <a:pPr algn="ctr"/>
+              <a:r>
+                <a:rPr lang="en-US" sz="1600" dirty="0">
+                  <a:solidFill>
+                    <a:schemeClr val="accent5">
+                      <a:lumMod val="50000"/>
+                    </a:schemeClr>
+                  </a:solidFill>
+                </a:rPr>
+                <a:t>Response</a:t>
+              </a:r>
+            </a:p>
+          </p:txBody>
+        </p:sp>
+      </p:grpSp>
+    </p:spTree>
+    <p:extLst>
+      <p:ext uri="{BB962C8B-B14F-4D97-AF65-F5344CB8AC3E}">
+        <p14:creationId xmlns:p14="http://schemas.microsoft.com/office/powerpoint/2010/main" val="3080402565"/>
+      </p:ext>
+    </p:extLst>
+  </p:cSld>
+  <p:clrMapOvr>
+    <a:masterClrMapping/>
+  </p:clrMapOvr>
+</p:sld>
+</file>
+
+<file path=ppt/slides/slide4.xml><?xml version="1.0" encoding="utf-8"?>
+<p:sld xmlns:a="http://schemas.openxmlformats.org/drawingml/2006/main" xmlns:r="http://schemas.openxmlformats.org/officeDocument/2006/relationships" xmlns:p="http://schemas.openxmlformats.org/presentationml/2006/main">
+  <p:cSld>
+    <p:spTree>
+      <p:nvGrpSpPr>
+        <p:cNvPr id="1" name=""/>
+        <p:cNvGrpSpPr/>
+        <p:nvPr/>
+      </p:nvGrpSpPr>
+      <p:grpSpPr>
+        <a:xfrm>
+          <a:off x="0" y="0"/>
+          <a:ext cx="0" cy="0"/>
+          <a:chOff x="0" y="0"/>
+          <a:chExt cx="0" cy="0"/>
+        </a:xfrm>
+      </p:grpSpPr>
+      <p:grpSp>
+        <p:nvGrpSpPr>
+          <p:cNvPr id="21" name="Group 20">
+            <a:extLst>
+              <a:ext uri="{FF2B5EF4-FFF2-40B4-BE49-F238E27FC236}">
+                <a16:creationId xmlns:a16="http://schemas.microsoft.com/office/drawing/2014/main" id="{457A7DDA-28BF-2945-87D8-1F98A5E78DFF}"/>
+              </a:ext>
+            </a:extLst>
+          </p:cNvPr>
+          <p:cNvGrpSpPr/>
+          <p:nvPr/>
+        </p:nvGrpSpPr>
+        <p:grpSpPr>
+          <a:xfrm>
+            <a:off x="-834912" y="524210"/>
+            <a:ext cx="12922834" cy="5672518"/>
+            <a:chOff x="-834912" y="524210"/>
+            <a:chExt cx="12922834" cy="5672518"/>
+          </a:xfrm>
+        </p:grpSpPr>
+        <p:cxnSp>
+          <p:nvCxnSpPr>
+            <p:cNvPr id="24" name="Straight Connector 23">
+              <a:extLst>
+                <a:ext uri="{FF2B5EF4-FFF2-40B4-BE49-F238E27FC236}">
+                  <a16:creationId xmlns:a16="http://schemas.microsoft.com/office/drawing/2014/main" id="{977079E3-4995-FB4D-A18C-D9758969C831}"/>
+                </a:ext>
+              </a:extLst>
+            </p:cNvPr>
+            <p:cNvCxnSpPr/>
+            <p:nvPr/>
+          </p:nvCxnSpPr>
+          <p:spPr>
+            <a:xfrm>
+              <a:off x="122663" y="3429000"/>
+              <a:ext cx="11965259" cy="0"/>
+            </a:xfrm>
+            <a:prstGeom prst="line">
+              <a:avLst/>
+            </a:prstGeom>
+            <a:ln w="38100">
+              <a:solidFill>
+                <a:schemeClr val="bg2">
+                  <a:lumMod val="25000"/>
+                </a:schemeClr>
+              </a:solidFill>
+            </a:ln>
+          </p:spPr>
+          <p:style>
+            <a:lnRef idx="1">
+              <a:schemeClr val="accent1"/>
+            </a:lnRef>
+            <a:fillRef idx="0">
+              <a:schemeClr val="accent1"/>
+            </a:fillRef>
+            <a:effectRef idx="0">
+              <a:schemeClr val="accent1"/>
+            </a:effectRef>
+            <a:fontRef idx="minor">
+              <a:schemeClr val="tx1"/>
+            </a:fontRef>
+          </p:style>
+        </p:cxnSp>
+        <p:cxnSp>
+          <p:nvCxnSpPr>
+            <p:cNvPr id="26" name="Straight Connector 25">
+              <a:extLst>
+                <a:ext uri="{FF2B5EF4-FFF2-40B4-BE49-F238E27FC236}">
+                  <a16:creationId xmlns:a16="http://schemas.microsoft.com/office/drawing/2014/main" id="{7E778481-3F47-BE4D-B1D8-755F3C8DE5E2}"/>
+                </a:ext>
+              </a:extLst>
+            </p:cNvPr>
+            <p:cNvCxnSpPr>
+              <a:cxnSpLocks/>
+            </p:cNvCxnSpPr>
+            <p:nvPr/>
+          </p:nvCxnSpPr>
+          <p:spPr>
+            <a:xfrm>
+              <a:off x="4193599" y="2971800"/>
+              <a:ext cx="0" cy="914400"/>
+            </a:xfrm>
+            <a:prstGeom prst="line">
+              <a:avLst/>
+            </a:prstGeom>
+            <a:ln w="28575">
+              <a:solidFill>
+                <a:schemeClr val="tx2">
+                  <a:lumMod val="75000"/>
+                </a:schemeClr>
+              </a:solidFill>
+              <a:prstDash val="sysDot"/>
+            </a:ln>
+          </p:spPr>
+          <p:style>
+            <a:lnRef idx="1">
+              <a:schemeClr val="accent1"/>
+            </a:lnRef>
+            <a:fillRef idx="0">
+              <a:schemeClr val="accent1"/>
+            </a:fillRef>
+            <a:effectRef idx="0">
+              <a:schemeClr val="accent1"/>
+            </a:effectRef>
+            <a:fontRef idx="minor">
+              <a:schemeClr val="tx1"/>
+            </a:fontRef>
+          </p:style>
+        </p:cxnSp>
+        <p:cxnSp>
+          <p:nvCxnSpPr>
+            <p:cNvPr id="27" name="Straight Connector 26">
+              <a:extLst>
+                <a:ext uri="{FF2B5EF4-FFF2-40B4-BE49-F238E27FC236}">
+                  <a16:creationId xmlns:a16="http://schemas.microsoft.com/office/drawing/2014/main" id="{DEF3C81E-03C8-2A4F-AB08-7A35034A75D4}"/>
+                </a:ext>
+              </a:extLst>
+            </p:cNvPr>
+            <p:cNvCxnSpPr>
+              <a:cxnSpLocks/>
+            </p:cNvCxnSpPr>
+            <p:nvPr/>
+          </p:nvCxnSpPr>
+          <p:spPr>
+            <a:xfrm>
+              <a:off x="7693036" y="3200400"/>
+              <a:ext cx="0" cy="457200"/>
+            </a:xfrm>
+            <a:prstGeom prst="line">
+              <a:avLst/>
+            </a:prstGeom>
+            <a:ln w="28575">
+              <a:solidFill>
+                <a:schemeClr val="tx2">
+                  <a:lumMod val="75000"/>
+                </a:schemeClr>
+              </a:solidFill>
+              <a:prstDash val="sysDot"/>
+            </a:ln>
+          </p:spPr>
+          <p:style>
+            <a:lnRef idx="1">
+              <a:schemeClr val="accent1"/>
+            </a:lnRef>
+            <a:fillRef idx="0">
+              <a:schemeClr val="accent1"/>
+            </a:fillRef>
+            <a:effectRef idx="0">
+              <a:schemeClr val="accent1"/>
+            </a:effectRef>
+            <a:fontRef idx="minor">
+              <a:schemeClr val="tx1"/>
+            </a:fontRef>
+          </p:style>
+        </p:cxnSp>
+        <p:cxnSp>
+          <p:nvCxnSpPr>
+            <p:cNvPr id="28" name="Straight Connector 27">
+              <a:extLst>
+                <a:ext uri="{FF2B5EF4-FFF2-40B4-BE49-F238E27FC236}">
+                  <a16:creationId xmlns:a16="http://schemas.microsoft.com/office/drawing/2014/main" id="{5BEEA842-CFD2-854B-ABE9-41753E4AC3E7}"/>
+                </a:ext>
+              </a:extLst>
+            </p:cNvPr>
+            <p:cNvCxnSpPr>
+              <a:cxnSpLocks/>
+            </p:cNvCxnSpPr>
+            <p:nvPr/>
+          </p:nvCxnSpPr>
+          <p:spPr>
+            <a:xfrm>
+              <a:off x="9067888" y="3200400"/>
+              <a:ext cx="0" cy="457200"/>
+            </a:xfrm>
+            <a:prstGeom prst="line">
+              <a:avLst/>
+            </a:prstGeom>
+            <a:ln w="28575">
+              <a:solidFill>
+                <a:schemeClr val="tx2">
+                  <a:lumMod val="75000"/>
+                </a:schemeClr>
+              </a:solidFill>
+              <a:prstDash val="sysDot"/>
+            </a:ln>
+          </p:spPr>
+          <p:style>
+            <a:lnRef idx="1">
+              <a:schemeClr val="accent1"/>
+            </a:lnRef>
+            <a:fillRef idx="0">
+              <a:schemeClr val="accent1"/>
+            </a:fillRef>
+            <a:effectRef idx="0">
+              <a:schemeClr val="accent1"/>
+            </a:effectRef>
+            <a:fontRef idx="minor">
+              <a:schemeClr val="tx1"/>
+            </a:fontRef>
+          </p:style>
+        </p:cxnSp>
+        <p:sp>
+          <p:nvSpPr>
+            <p:cNvPr id="31" name="TextBox 30">
+              <a:extLst>
+                <a:ext uri="{FF2B5EF4-FFF2-40B4-BE49-F238E27FC236}">
+                  <a16:creationId xmlns:a16="http://schemas.microsoft.com/office/drawing/2014/main" id="{E114C421-1268-0D4E-B670-945E7233E4C1}"/>
+                </a:ext>
+              </a:extLst>
+            </p:cNvPr>
+            <p:cNvSpPr txBox="1"/>
+            <p:nvPr/>
+          </p:nvSpPr>
+          <p:spPr>
+            <a:xfrm>
+              <a:off x="4732578" y="1728435"/>
+              <a:ext cx="1061766" cy="707886"/>
+            </a:xfrm>
+            <a:prstGeom prst="rect">
+              <a:avLst/>
+            </a:prstGeom>
+            <a:noFill/>
+          </p:spPr>
+          <p:txBody>
+            <a:bodyPr wrap="none" rtlCol="0">
+              <a:spAutoFit/>
+            </a:bodyPr>
+            <a:lstStyle/>
+            <a:p>
+              <a:pPr algn="ctr"/>
+              <a:r>
+                <a:rPr lang="en-US" sz="4000" dirty="0"/>
+                <a:t>Trial</a:t>
+              </a:r>
+            </a:p>
+          </p:txBody>
+        </p:sp>
+        <p:sp>
+          <p:nvSpPr>
+            <p:cNvPr id="32" name="TextBox 31">
+              <a:extLst>
+                <a:ext uri="{FF2B5EF4-FFF2-40B4-BE49-F238E27FC236}">
+                  <a16:creationId xmlns:a16="http://schemas.microsoft.com/office/drawing/2014/main" id="{B5582775-8C72-8F4D-8D7C-8B14E675ED1A}"/>
+                </a:ext>
+              </a:extLst>
+            </p:cNvPr>
+            <p:cNvSpPr txBox="1"/>
+            <p:nvPr/>
+          </p:nvSpPr>
+          <p:spPr>
+            <a:xfrm>
+              <a:off x="2443071" y="1851546"/>
+              <a:ext cx="1222707" cy="461665"/>
+            </a:xfrm>
+            <a:prstGeom prst="rect">
+              <a:avLst/>
+            </a:prstGeom>
+            <a:noFill/>
+          </p:spPr>
+          <p:txBody>
+            <a:bodyPr wrap="none" rtlCol="0">
+              <a:spAutoFit/>
+            </a:bodyPr>
+            <a:lstStyle/>
+            <a:p>
+              <a:pPr algn="ctr"/>
+              <a:r>
+                <a:rPr lang="en-US" sz="2400" dirty="0"/>
+                <a:t>Pre-Trial</a:t>
+              </a:r>
+            </a:p>
+          </p:txBody>
+        </p:sp>
+        <p:sp>
+          <p:nvSpPr>
+            <p:cNvPr id="35" name="TextBox 34">
+              <a:extLst>
+                <a:ext uri="{FF2B5EF4-FFF2-40B4-BE49-F238E27FC236}">
+                  <a16:creationId xmlns:a16="http://schemas.microsoft.com/office/drawing/2014/main" id="{B058BDDC-A1B4-5D43-BB15-9218EF92C5A0}"/>
+                </a:ext>
+              </a:extLst>
+            </p:cNvPr>
+            <p:cNvSpPr txBox="1"/>
+            <p:nvPr/>
+          </p:nvSpPr>
+          <p:spPr>
+            <a:xfrm>
+              <a:off x="-834912" y="4628645"/>
+              <a:ext cx="2001638" cy="338554"/>
+            </a:xfrm>
+            <a:prstGeom prst="rect">
+              <a:avLst/>
+            </a:prstGeom>
+            <a:noFill/>
+          </p:spPr>
+          <p:txBody>
+            <a:bodyPr wrap="none" rtlCol="0">
+              <a:spAutoFit/>
+            </a:bodyPr>
+            <a:lstStyle/>
+            <a:p>
+              <a:pPr algn="ctr"/>
+              <a:r>
+                <a:rPr lang="en-US" sz="1600" dirty="0" err="1"/>
+                <a:t>starttracking.message</a:t>
+              </a:r>
+              <a:endParaRPr lang="en-US" sz="1600" dirty="0"/>
+            </a:p>
+          </p:txBody>
+        </p:sp>
+        <p:cxnSp>
+          <p:nvCxnSpPr>
+            <p:cNvPr id="36" name="Straight Arrow Connector 35">
+              <a:extLst>
+                <a:ext uri="{FF2B5EF4-FFF2-40B4-BE49-F238E27FC236}">
+                  <a16:creationId xmlns:a16="http://schemas.microsoft.com/office/drawing/2014/main" id="{216732C6-66B4-AD4A-8527-0EF70B5205A3}"/>
+                </a:ext>
+              </a:extLst>
+            </p:cNvPr>
+            <p:cNvCxnSpPr>
+              <a:cxnSpLocks/>
+              <a:stCxn id="35" idx="0"/>
+            </p:cNvCxnSpPr>
+            <p:nvPr/>
+          </p:nvCxnSpPr>
+          <p:spPr>
+            <a:xfrm flipV="1">
+              <a:off x="165907" y="3680236"/>
+              <a:ext cx="1114253" cy="948409"/>
+            </a:xfrm>
+            <a:prstGeom prst="straightConnector1">
+              <a:avLst/>
+            </a:prstGeom>
+            <a:ln w="19050">
+              <a:solidFill>
+                <a:schemeClr val="tx1"/>
+              </a:solidFill>
+              <a:tailEnd type="triangle"/>
+            </a:ln>
+          </p:spPr>
+          <p:style>
+            <a:lnRef idx="1">
+              <a:schemeClr val="accent1"/>
+            </a:lnRef>
+            <a:fillRef idx="0">
+              <a:schemeClr val="accent1"/>
+            </a:fillRef>
+            <a:effectRef idx="0">
+              <a:schemeClr val="accent1"/>
+            </a:effectRef>
+            <a:fontRef idx="minor">
+              <a:schemeClr val="tx1"/>
+            </a:fontRef>
+          </p:style>
+        </p:cxnSp>
+        <p:sp>
+          <p:nvSpPr>
+            <p:cNvPr id="37" name="TextBox 36">
+              <a:extLst>
+                <a:ext uri="{FF2B5EF4-FFF2-40B4-BE49-F238E27FC236}">
+                  <a16:creationId xmlns:a16="http://schemas.microsoft.com/office/drawing/2014/main" id="{8327397B-CB55-1A46-A49A-39BEAB7E6186}"/>
+                </a:ext>
+              </a:extLst>
+            </p:cNvPr>
+            <p:cNvSpPr txBox="1"/>
+            <p:nvPr/>
+          </p:nvSpPr>
+          <p:spPr>
+            <a:xfrm>
+              <a:off x="3315601" y="4628645"/>
+              <a:ext cx="1755995" cy="338554"/>
+            </a:xfrm>
+            <a:prstGeom prst="rect">
+              <a:avLst/>
+            </a:prstGeom>
+            <a:noFill/>
+          </p:spPr>
+          <p:txBody>
+            <a:bodyPr wrap="none" rtlCol="0">
+              <a:spAutoFit/>
+            </a:bodyPr>
+            <a:lstStyle/>
+            <a:p>
+              <a:pPr algn="ctr"/>
+              <a:r>
+                <a:rPr lang="en-US" sz="1600" dirty="0" err="1"/>
+                <a:t>trialonset.message</a:t>
+              </a:r>
+              <a:endParaRPr lang="en-US" sz="1600" dirty="0"/>
+            </a:p>
+          </p:txBody>
+        </p:sp>
+        <p:cxnSp>
+          <p:nvCxnSpPr>
+            <p:cNvPr id="40" name="Straight Arrow Connector 39">
+              <a:extLst>
+                <a:ext uri="{FF2B5EF4-FFF2-40B4-BE49-F238E27FC236}">
+                  <a16:creationId xmlns:a16="http://schemas.microsoft.com/office/drawing/2014/main" id="{84263F99-2F28-A142-BB34-1EA9E1B32C9A}"/>
+                </a:ext>
+              </a:extLst>
+            </p:cNvPr>
+            <p:cNvCxnSpPr>
+              <a:cxnSpLocks/>
+              <a:stCxn id="37" idx="0"/>
+            </p:cNvCxnSpPr>
+            <p:nvPr/>
+          </p:nvCxnSpPr>
+          <p:spPr>
+            <a:xfrm flipV="1">
+              <a:off x="4193599" y="4000501"/>
+              <a:ext cx="0" cy="628144"/>
+            </a:xfrm>
+            <a:prstGeom prst="straightConnector1">
+              <a:avLst/>
+            </a:prstGeom>
+            <a:ln w="19050">
+              <a:solidFill>
+                <a:schemeClr val="tx1"/>
+              </a:solidFill>
+              <a:tailEnd type="triangle"/>
+            </a:ln>
+          </p:spPr>
+          <p:style>
+            <a:lnRef idx="1">
+              <a:schemeClr val="accent1"/>
+            </a:lnRef>
+            <a:fillRef idx="0">
+              <a:schemeClr val="accent1"/>
+            </a:fillRef>
+            <a:effectRef idx="0">
+              <a:schemeClr val="accent1"/>
+            </a:effectRef>
+            <a:fontRef idx="minor">
+              <a:schemeClr val="tx1"/>
+            </a:fontRef>
+          </p:style>
+        </p:cxnSp>
+        <p:sp>
+          <p:nvSpPr>
+            <p:cNvPr id="41" name="TextBox 40">
+              <a:extLst>
+                <a:ext uri="{FF2B5EF4-FFF2-40B4-BE49-F238E27FC236}">
+                  <a16:creationId xmlns:a16="http://schemas.microsoft.com/office/drawing/2014/main" id="{49D94086-B08F-334F-BA59-8BAF268912E0}"/>
+                </a:ext>
+              </a:extLst>
+            </p:cNvPr>
+            <p:cNvSpPr txBox="1"/>
+            <p:nvPr/>
+          </p:nvSpPr>
+          <p:spPr>
+            <a:xfrm>
+              <a:off x="2339249" y="3590688"/>
+              <a:ext cx="1556516" cy="338554"/>
+            </a:xfrm>
+            <a:prstGeom prst="rect">
+              <a:avLst/>
+            </a:prstGeom>
+            <a:noFill/>
+          </p:spPr>
+          <p:txBody>
+            <a:bodyPr wrap="none" rtlCol="0">
+              <a:spAutoFit/>
+            </a:bodyPr>
+            <a:lstStyle/>
+            <a:p>
+              <a:pPr algn="ctr"/>
+              <a:r>
+                <a:rPr lang="en-US" sz="1600" dirty="0" err="1"/>
+                <a:t>pretrial.duration</a:t>
+              </a:r>
+              <a:endParaRPr lang="en-US" sz="1600" dirty="0"/>
+            </a:p>
+          </p:txBody>
+        </p:sp>
+        <p:cxnSp>
+          <p:nvCxnSpPr>
+            <p:cNvPr id="42" name="Straight Arrow Connector 41">
+              <a:extLst>
+                <a:ext uri="{FF2B5EF4-FFF2-40B4-BE49-F238E27FC236}">
+                  <a16:creationId xmlns:a16="http://schemas.microsoft.com/office/drawing/2014/main" id="{6D5B7E84-C628-CA4D-A286-949588F80DCF}"/>
+                </a:ext>
+              </a:extLst>
+            </p:cNvPr>
+            <p:cNvCxnSpPr>
+              <a:cxnSpLocks/>
+            </p:cNvCxnSpPr>
+            <p:nvPr/>
+          </p:nvCxnSpPr>
+          <p:spPr>
+            <a:xfrm flipH="1">
+              <a:off x="2167797" y="3568392"/>
+              <a:ext cx="1918011" cy="0"/>
+            </a:xfrm>
+            <a:prstGeom prst="straightConnector1">
+              <a:avLst/>
+            </a:prstGeom>
+            <a:ln w="19050">
+              <a:solidFill>
+                <a:schemeClr val="tx1"/>
+              </a:solidFill>
+              <a:tailEnd type="triangle"/>
+            </a:ln>
+          </p:spPr>
+          <p:style>
+            <a:lnRef idx="1">
+              <a:schemeClr val="accent1"/>
+            </a:lnRef>
+            <a:fillRef idx="0">
+              <a:schemeClr val="accent1"/>
+            </a:fillRef>
+            <a:effectRef idx="0">
+              <a:schemeClr val="accent1"/>
+            </a:effectRef>
+            <a:fontRef idx="minor">
+              <a:schemeClr val="tx1"/>
+            </a:fontRef>
+          </p:style>
+        </p:cxnSp>
+        <p:sp>
+          <p:nvSpPr>
+            <p:cNvPr id="48" name="TextBox 47">
+              <a:extLst>
+                <a:ext uri="{FF2B5EF4-FFF2-40B4-BE49-F238E27FC236}">
+                  <a16:creationId xmlns:a16="http://schemas.microsoft.com/office/drawing/2014/main" id="{CE1BD1A1-0377-554C-87E3-4A7B3C60E0F7}"/>
+                </a:ext>
+              </a:extLst>
+            </p:cNvPr>
+            <p:cNvSpPr txBox="1"/>
+            <p:nvPr/>
+          </p:nvSpPr>
+          <p:spPr>
+            <a:xfrm>
+              <a:off x="3385396" y="5858174"/>
+              <a:ext cx="1616405" cy="338554"/>
+            </a:xfrm>
+            <a:prstGeom prst="rect">
+              <a:avLst/>
+            </a:prstGeom>
+            <a:noFill/>
+          </p:spPr>
+          <p:txBody>
+            <a:bodyPr wrap="none" rtlCol="0">
+              <a:spAutoFit/>
+            </a:bodyPr>
+            <a:lstStyle/>
+            <a:p>
+              <a:pPr algn="ctr"/>
+              <a:r>
+                <a:rPr lang="en-US" sz="1600" dirty="0" err="1"/>
+                <a:t>bconset.message</a:t>
+              </a:r>
+              <a:endParaRPr lang="en-US" sz="1600" dirty="0"/>
+            </a:p>
+          </p:txBody>
+        </p:sp>
+        <p:cxnSp>
+          <p:nvCxnSpPr>
+            <p:cNvPr id="49" name="Straight Arrow Connector 48">
+              <a:extLst>
+                <a:ext uri="{FF2B5EF4-FFF2-40B4-BE49-F238E27FC236}">
+                  <a16:creationId xmlns:a16="http://schemas.microsoft.com/office/drawing/2014/main" id="{32327455-49D6-5F4B-A9DE-EB392463B289}"/>
+                </a:ext>
+              </a:extLst>
+            </p:cNvPr>
+            <p:cNvCxnSpPr>
+              <a:cxnSpLocks/>
+              <a:stCxn id="48" idx="0"/>
+            </p:cNvCxnSpPr>
+            <p:nvPr/>
+          </p:nvCxnSpPr>
+          <p:spPr>
+            <a:xfrm flipV="1">
+              <a:off x="4193599" y="5001430"/>
+              <a:ext cx="0" cy="856744"/>
+            </a:xfrm>
+            <a:prstGeom prst="straightConnector1">
+              <a:avLst/>
+            </a:prstGeom>
+            <a:ln w="19050">
+              <a:solidFill>
+                <a:schemeClr val="tx1"/>
+              </a:solidFill>
+              <a:tailEnd type="triangle"/>
+            </a:ln>
+          </p:spPr>
+          <p:style>
+            <a:lnRef idx="1">
+              <a:schemeClr val="accent1"/>
+            </a:lnRef>
+            <a:fillRef idx="0">
+              <a:schemeClr val="accent1"/>
+            </a:fillRef>
+            <a:effectRef idx="0">
+              <a:schemeClr val="accent1"/>
+            </a:effectRef>
+            <a:fontRef idx="minor">
+              <a:schemeClr val="tx1"/>
+            </a:fontRef>
+          </p:style>
+        </p:cxnSp>
+        <p:cxnSp>
+          <p:nvCxnSpPr>
+            <p:cNvPr id="51" name="Straight Arrow Connector 50">
+              <a:extLst>
+                <a:ext uri="{FF2B5EF4-FFF2-40B4-BE49-F238E27FC236}">
+                  <a16:creationId xmlns:a16="http://schemas.microsoft.com/office/drawing/2014/main" id="{37F63363-0D57-1D4E-BDCC-606AC5E76AE1}"/>
+                </a:ext>
+              </a:extLst>
+            </p:cNvPr>
+            <p:cNvCxnSpPr>
+              <a:cxnSpLocks/>
+            </p:cNvCxnSpPr>
+            <p:nvPr/>
+          </p:nvCxnSpPr>
+          <p:spPr>
+            <a:xfrm flipH="1">
+              <a:off x="3210437" y="3290357"/>
+              <a:ext cx="875371" cy="0"/>
+            </a:xfrm>
+            <a:prstGeom prst="straightConnector1">
+              <a:avLst/>
+            </a:prstGeom>
+            <a:ln w="19050">
+              <a:solidFill>
+                <a:schemeClr val="tx1"/>
+              </a:solidFill>
+              <a:tailEnd type="triangle"/>
+            </a:ln>
+          </p:spPr>
+          <p:style>
+            <a:lnRef idx="1">
+              <a:schemeClr val="accent1"/>
+            </a:lnRef>
+            <a:fillRef idx="0">
+              <a:schemeClr val="accent1"/>
+            </a:fillRef>
+            <a:effectRef idx="0">
+              <a:schemeClr val="accent1"/>
+            </a:effectRef>
+            <a:fontRef idx="minor">
+              <a:schemeClr val="tx1"/>
+            </a:fontRef>
+          </p:style>
+        </p:cxnSp>
+        <p:sp>
+          <p:nvSpPr>
+            <p:cNvPr id="52" name="TextBox 51">
+              <a:extLst>
+                <a:ext uri="{FF2B5EF4-FFF2-40B4-BE49-F238E27FC236}">
+                  <a16:creationId xmlns:a16="http://schemas.microsoft.com/office/drawing/2014/main" id="{ECFBAED0-2560-FB42-A580-C1CE728B8DE1}"/>
+                </a:ext>
+              </a:extLst>
+            </p:cNvPr>
+            <p:cNvSpPr txBox="1"/>
+            <p:nvPr/>
+          </p:nvSpPr>
+          <p:spPr>
+            <a:xfrm>
+              <a:off x="2666060" y="2880137"/>
+              <a:ext cx="1419748" cy="338554"/>
+            </a:xfrm>
+            <a:prstGeom prst="rect">
+              <a:avLst/>
+            </a:prstGeom>
+            <a:noFill/>
+          </p:spPr>
+          <p:txBody>
+            <a:bodyPr wrap="none" rtlCol="0">
+              <a:spAutoFit/>
+            </a:bodyPr>
+            <a:lstStyle/>
+            <a:p>
+              <a:pPr algn="ctr"/>
+              <a:r>
+                <a:rPr lang="en-US" sz="1600" dirty="0" err="1"/>
+                <a:t>prebc.duration</a:t>
+              </a:r>
+              <a:endParaRPr lang="en-US" sz="1600" dirty="0"/>
+            </a:p>
+          </p:txBody>
+        </p:sp>
+        <p:cxnSp>
+          <p:nvCxnSpPr>
+            <p:cNvPr id="61" name="Straight Connector 60">
+              <a:extLst>
+                <a:ext uri="{FF2B5EF4-FFF2-40B4-BE49-F238E27FC236}">
+                  <a16:creationId xmlns:a16="http://schemas.microsoft.com/office/drawing/2014/main" id="{4C19BD05-A2CF-FA48-8B83-CEC2DD111E7D}"/>
+                </a:ext>
+              </a:extLst>
+            </p:cNvPr>
+            <p:cNvCxnSpPr>
+              <a:cxnSpLocks/>
+            </p:cNvCxnSpPr>
+            <p:nvPr/>
+          </p:nvCxnSpPr>
+          <p:spPr>
+            <a:xfrm>
+              <a:off x="1376056" y="3200400"/>
+              <a:ext cx="0" cy="457200"/>
+            </a:xfrm>
+            <a:prstGeom prst="line">
+              <a:avLst/>
+            </a:prstGeom>
+            <a:ln w="28575">
+              <a:solidFill>
+                <a:schemeClr val="tx2">
+                  <a:lumMod val="75000"/>
+                </a:schemeClr>
+              </a:solidFill>
+              <a:prstDash val="sysDot"/>
+            </a:ln>
+          </p:spPr>
+          <p:style>
+            <a:lnRef idx="1">
+              <a:schemeClr val="accent1"/>
+            </a:lnRef>
+            <a:fillRef idx="0">
+              <a:schemeClr val="accent1"/>
+            </a:fillRef>
+            <a:effectRef idx="0">
+              <a:schemeClr val="accent1"/>
+            </a:effectRef>
+            <a:fontRef idx="minor">
+              <a:schemeClr val="tx1"/>
+            </a:fontRef>
+          </p:style>
+        </p:cxnSp>
+        <p:sp>
+          <p:nvSpPr>
+            <p:cNvPr id="63" name="TextBox 62">
+              <a:extLst>
+                <a:ext uri="{FF2B5EF4-FFF2-40B4-BE49-F238E27FC236}">
+                  <a16:creationId xmlns:a16="http://schemas.microsoft.com/office/drawing/2014/main" id="{17F04E45-F5DA-A34F-B904-11409A260C13}"/>
+                </a:ext>
+              </a:extLst>
+            </p:cNvPr>
+            <p:cNvSpPr txBox="1"/>
+            <p:nvPr/>
+          </p:nvSpPr>
+          <p:spPr>
+            <a:xfrm>
+              <a:off x="2196569" y="524210"/>
+              <a:ext cx="7596823" cy="707886"/>
+            </a:xfrm>
+            <a:prstGeom prst="rect">
+              <a:avLst/>
+            </a:prstGeom>
+            <a:noFill/>
+          </p:spPr>
+          <p:txBody>
+            <a:bodyPr wrap="none" rtlCol="0">
+              <a:spAutoFit/>
+            </a:bodyPr>
+            <a:lstStyle/>
+            <a:p>
+              <a:pPr algn="ctr"/>
+              <a:r>
+                <a:rPr lang="en-US" sz="4000" dirty="0">
+                  <a:solidFill>
+                    <a:schemeClr val="tx1">
+                      <a:lumMod val="75000"/>
+                      <a:lumOff val="25000"/>
+                    </a:schemeClr>
+                  </a:solidFill>
+                </a:rPr>
+                <a:t>Pitch Discrimination Trial Procedure</a:t>
+              </a:r>
+            </a:p>
+          </p:txBody>
+        </p:sp>
+        <p:cxnSp>
+          <p:nvCxnSpPr>
+            <p:cNvPr id="64" name="Straight Connector 63">
+              <a:extLst>
+                <a:ext uri="{FF2B5EF4-FFF2-40B4-BE49-F238E27FC236}">
+                  <a16:creationId xmlns:a16="http://schemas.microsoft.com/office/drawing/2014/main" id="{A56ADD18-D052-5D4E-B109-0DD7FE3B3696}"/>
+                </a:ext>
+              </a:extLst>
+            </p:cNvPr>
+            <p:cNvCxnSpPr>
+              <a:cxnSpLocks/>
+            </p:cNvCxnSpPr>
+            <p:nvPr/>
+          </p:nvCxnSpPr>
+          <p:spPr>
+            <a:xfrm>
+              <a:off x="5226262" y="3200399"/>
+              <a:ext cx="0" cy="457200"/>
+            </a:xfrm>
+            <a:prstGeom prst="line">
+              <a:avLst/>
+            </a:prstGeom>
+            <a:ln w="28575">
+              <a:solidFill>
+                <a:schemeClr val="tx2">
+                  <a:lumMod val="75000"/>
+                </a:schemeClr>
+              </a:solidFill>
+              <a:prstDash val="sysDot"/>
+            </a:ln>
+          </p:spPr>
+          <p:style>
+            <a:lnRef idx="1">
+              <a:schemeClr val="accent1"/>
+            </a:lnRef>
+            <a:fillRef idx="0">
+              <a:schemeClr val="accent1"/>
+            </a:fillRef>
+            <a:effectRef idx="0">
+              <a:schemeClr val="accent1"/>
+            </a:effectRef>
+            <a:fontRef idx="minor">
+              <a:schemeClr val="tx1"/>
+            </a:fontRef>
+          </p:style>
+        </p:cxnSp>
+        <p:cxnSp>
+          <p:nvCxnSpPr>
+            <p:cNvPr id="66" name="Straight Connector 65">
+              <a:extLst>
+                <a:ext uri="{FF2B5EF4-FFF2-40B4-BE49-F238E27FC236}">
+                  <a16:creationId xmlns:a16="http://schemas.microsoft.com/office/drawing/2014/main" id="{369F3919-D3CA-F141-852E-45691F535E10}"/>
+                </a:ext>
+              </a:extLst>
+            </p:cNvPr>
+            <p:cNvCxnSpPr>
+              <a:cxnSpLocks/>
+            </p:cNvCxnSpPr>
+            <p:nvPr/>
+          </p:nvCxnSpPr>
+          <p:spPr>
+            <a:xfrm>
+              <a:off x="10299576" y="3200400"/>
+              <a:ext cx="0" cy="457200"/>
+            </a:xfrm>
+            <a:prstGeom prst="line">
+              <a:avLst/>
+            </a:prstGeom>
+            <a:ln w="28575">
+              <a:solidFill>
+                <a:schemeClr val="tx2">
+                  <a:lumMod val="75000"/>
+                </a:schemeClr>
+              </a:solidFill>
+              <a:prstDash val="sysDot"/>
+            </a:ln>
+          </p:spPr>
+          <p:style>
+            <a:lnRef idx="1">
+              <a:schemeClr val="accent1"/>
+            </a:lnRef>
+            <a:fillRef idx="0">
+              <a:schemeClr val="accent1"/>
+            </a:fillRef>
+            <a:effectRef idx="0">
+              <a:schemeClr val="accent1"/>
+            </a:effectRef>
+            <a:fontRef idx="minor">
+              <a:schemeClr val="tx1"/>
+            </a:fontRef>
+          </p:style>
+        </p:cxnSp>
+        <p:cxnSp>
+          <p:nvCxnSpPr>
+            <p:cNvPr id="68" name="Straight Connector 67">
+              <a:extLst>
+                <a:ext uri="{FF2B5EF4-FFF2-40B4-BE49-F238E27FC236}">
+                  <a16:creationId xmlns:a16="http://schemas.microsoft.com/office/drawing/2014/main" id="{4299CB49-0F51-784D-80BB-A5E4A2EE894F}"/>
+                </a:ext>
+              </a:extLst>
+            </p:cNvPr>
+            <p:cNvCxnSpPr>
+              <a:cxnSpLocks/>
+            </p:cNvCxnSpPr>
+            <p:nvPr/>
+          </p:nvCxnSpPr>
+          <p:spPr>
+            <a:xfrm>
+              <a:off x="11031588" y="3223036"/>
+              <a:ext cx="0" cy="457200"/>
+            </a:xfrm>
+            <a:prstGeom prst="line">
+              <a:avLst/>
+            </a:prstGeom>
+            <a:ln w="28575">
+              <a:solidFill>
+                <a:schemeClr val="tx2">
+                  <a:lumMod val="75000"/>
+                </a:schemeClr>
+              </a:solidFill>
+              <a:prstDash val="sysDot"/>
+            </a:ln>
+          </p:spPr>
+          <p:style>
+            <a:lnRef idx="1">
+              <a:schemeClr val="accent1"/>
+            </a:lnRef>
+            <a:fillRef idx="0">
+              <a:schemeClr val="accent1"/>
+            </a:fillRef>
+            <a:effectRef idx="0">
+              <a:schemeClr val="accent1"/>
+            </a:effectRef>
+            <a:fontRef idx="minor">
+              <a:schemeClr val="tx1"/>
+            </a:fontRef>
+          </p:style>
+        </p:cxnSp>
+        <p:sp>
+          <p:nvSpPr>
+            <p:cNvPr id="70" name="TextBox 69">
+              <a:extLst>
+                <a:ext uri="{FF2B5EF4-FFF2-40B4-BE49-F238E27FC236}">
+                  <a16:creationId xmlns:a16="http://schemas.microsoft.com/office/drawing/2014/main" id="{61DD1D07-77B4-8E4D-AF23-F4906911DF2C}"/>
+                </a:ext>
+              </a:extLst>
+            </p:cNvPr>
+            <p:cNvSpPr txBox="1"/>
+            <p:nvPr/>
+          </p:nvSpPr>
+          <p:spPr>
+            <a:xfrm>
+              <a:off x="2681006" y="3959127"/>
+              <a:ext cx="891591" cy="338554"/>
+            </a:xfrm>
+            <a:prstGeom prst="rect">
+              <a:avLst/>
+            </a:prstGeom>
+            <a:noFill/>
+          </p:spPr>
+          <p:txBody>
+            <a:bodyPr wrap="none" rtlCol="0">
+              <a:spAutoFit/>
+            </a:bodyPr>
+            <a:lstStyle/>
+            <a:p>
+              <a:pPr algn="ctr"/>
+              <a:r>
+                <a:rPr lang="en-US" sz="1600" dirty="0">
+                  <a:solidFill>
+                    <a:schemeClr val="accent5">
+                      <a:lumMod val="50000"/>
+                    </a:schemeClr>
+                  </a:solidFill>
+                </a:rPr>
+                <a:t>2000 </a:t>
+              </a:r>
+              <a:r>
+                <a:rPr lang="en-US" sz="1600" dirty="0" err="1">
+                  <a:solidFill>
+                    <a:schemeClr val="accent5">
+                      <a:lumMod val="50000"/>
+                    </a:schemeClr>
+                  </a:solidFill>
+                </a:rPr>
+                <a:t>ms</a:t>
+              </a:r>
+              <a:endParaRPr lang="en-US" sz="1600" dirty="0">
+                <a:solidFill>
+                  <a:schemeClr val="accent5">
+                    <a:lumMod val="50000"/>
+                  </a:schemeClr>
+                </a:solidFill>
+              </a:endParaRPr>
+            </a:p>
+          </p:txBody>
+        </p:sp>
+        <p:sp>
+          <p:nvSpPr>
+            <p:cNvPr id="71" name="TextBox 70">
+              <a:extLst>
+                <a:ext uri="{FF2B5EF4-FFF2-40B4-BE49-F238E27FC236}">
+                  <a16:creationId xmlns:a16="http://schemas.microsoft.com/office/drawing/2014/main" id="{20EF2C52-254B-DC49-8CCA-83EF4DE20767}"/>
+                </a:ext>
+              </a:extLst>
+            </p:cNvPr>
+            <p:cNvSpPr txBox="1"/>
+            <p:nvPr/>
+          </p:nvSpPr>
+          <p:spPr>
+            <a:xfrm>
+              <a:off x="2986940" y="2621481"/>
+              <a:ext cx="787395" cy="338554"/>
+            </a:xfrm>
+            <a:prstGeom prst="rect">
+              <a:avLst/>
+            </a:prstGeom>
+            <a:noFill/>
+          </p:spPr>
+          <p:txBody>
+            <a:bodyPr wrap="none" rtlCol="0">
+              <a:spAutoFit/>
+            </a:bodyPr>
+            <a:lstStyle/>
+            <a:p>
+              <a:pPr algn="ctr"/>
+              <a:r>
+                <a:rPr lang="en-US" sz="1600" dirty="0">
+                  <a:solidFill>
+                    <a:schemeClr val="accent5">
+                      <a:lumMod val="50000"/>
+                    </a:schemeClr>
+                  </a:solidFill>
+                </a:rPr>
+                <a:t>200 </a:t>
+              </a:r>
+              <a:r>
+                <a:rPr lang="en-US" sz="1600" dirty="0" err="1">
+                  <a:solidFill>
+                    <a:schemeClr val="accent5">
+                      <a:lumMod val="50000"/>
+                    </a:schemeClr>
+                  </a:solidFill>
+                </a:rPr>
+                <a:t>ms</a:t>
+              </a:r>
+              <a:endParaRPr lang="en-US" sz="1600" dirty="0">
+                <a:solidFill>
+                  <a:schemeClr val="accent5">
+                    <a:lumMod val="50000"/>
+                  </a:schemeClr>
+                </a:solidFill>
+              </a:endParaRPr>
+            </a:p>
+          </p:txBody>
+        </p:sp>
+        <p:sp>
+          <p:nvSpPr>
+            <p:cNvPr id="72" name="TextBox 71">
+              <a:extLst>
+                <a:ext uri="{FF2B5EF4-FFF2-40B4-BE49-F238E27FC236}">
+                  <a16:creationId xmlns:a16="http://schemas.microsoft.com/office/drawing/2014/main" id="{3898A064-0FA7-984F-A448-42FAE6862954}"/>
+                </a:ext>
+              </a:extLst>
+            </p:cNvPr>
+            <p:cNvSpPr txBox="1"/>
+            <p:nvPr/>
+          </p:nvSpPr>
+          <p:spPr>
+            <a:xfrm>
+              <a:off x="4293955" y="3564851"/>
+              <a:ext cx="787395" cy="338554"/>
+            </a:xfrm>
+            <a:prstGeom prst="rect">
+              <a:avLst/>
+            </a:prstGeom>
+            <a:noFill/>
+          </p:spPr>
+          <p:txBody>
+            <a:bodyPr wrap="none" rtlCol="0">
+              <a:spAutoFit/>
+            </a:bodyPr>
+            <a:lstStyle/>
+            <a:p>
+              <a:pPr algn="ctr"/>
+              <a:r>
+                <a:rPr lang="en-US" sz="1600" dirty="0">
+                  <a:solidFill>
+                    <a:schemeClr val="accent5">
+                      <a:lumMod val="50000"/>
+                    </a:schemeClr>
+                  </a:solidFill>
+                </a:rPr>
+                <a:t>200 </a:t>
+              </a:r>
+              <a:r>
+                <a:rPr lang="en-US" sz="1600" dirty="0" err="1">
+                  <a:solidFill>
+                    <a:schemeClr val="accent5">
+                      <a:lumMod val="50000"/>
+                    </a:schemeClr>
+                  </a:solidFill>
+                </a:rPr>
+                <a:t>ms</a:t>
+              </a:r>
+              <a:endParaRPr lang="en-US" sz="1600" dirty="0">
+                <a:solidFill>
+                  <a:schemeClr val="accent5">
+                    <a:lumMod val="50000"/>
+                  </a:schemeClr>
+                </a:solidFill>
+              </a:endParaRPr>
+            </a:p>
+          </p:txBody>
+        </p:sp>
+        <p:sp>
+          <p:nvSpPr>
+            <p:cNvPr id="73" name="TextBox 72">
+              <a:extLst>
+                <a:ext uri="{FF2B5EF4-FFF2-40B4-BE49-F238E27FC236}">
+                  <a16:creationId xmlns:a16="http://schemas.microsoft.com/office/drawing/2014/main" id="{C3B2FF80-FB53-C044-941E-60B9DAAA24F7}"/>
+                </a:ext>
+              </a:extLst>
+            </p:cNvPr>
+            <p:cNvSpPr txBox="1"/>
+            <p:nvPr/>
+          </p:nvSpPr>
+          <p:spPr>
+            <a:xfrm>
+              <a:off x="6115955" y="3569942"/>
+              <a:ext cx="787395" cy="338554"/>
+            </a:xfrm>
+            <a:prstGeom prst="rect">
+              <a:avLst/>
+            </a:prstGeom>
+            <a:noFill/>
+          </p:spPr>
+          <p:txBody>
+            <a:bodyPr wrap="none" rtlCol="0">
+              <a:spAutoFit/>
+            </a:bodyPr>
+            <a:lstStyle/>
+            <a:p>
+              <a:pPr algn="ctr"/>
+              <a:r>
+                <a:rPr lang="en-US" sz="1600" dirty="0">
+                  <a:solidFill>
+                    <a:schemeClr val="accent5">
+                      <a:lumMod val="50000"/>
+                    </a:schemeClr>
+                  </a:solidFill>
+                </a:rPr>
+                <a:t>500 </a:t>
+              </a:r>
+              <a:r>
+                <a:rPr lang="en-US" sz="1600" dirty="0" err="1">
+                  <a:solidFill>
+                    <a:schemeClr val="accent5">
+                      <a:lumMod val="50000"/>
+                    </a:schemeClr>
+                  </a:solidFill>
+                </a:rPr>
+                <a:t>ms</a:t>
+              </a:r>
+              <a:endParaRPr lang="en-US" sz="1600" dirty="0">
+                <a:solidFill>
+                  <a:schemeClr val="accent5">
+                    <a:lumMod val="50000"/>
+                  </a:schemeClr>
+                </a:solidFill>
+              </a:endParaRPr>
+            </a:p>
+          </p:txBody>
+        </p:sp>
+        <p:sp>
+          <p:nvSpPr>
+            <p:cNvPr id="74" name="TextBox 73">
+              <a:extLst>
+                <a:ext uri="{FF2B5EF4-FFF2-40B4-BE49-F238E27FC236}">
+                  <a16:creationId xmlns:a16="http://schemas.microsoft.com/office/drawing/2014/main" id="{3162ED4D-5D96-844F-99E6-C042A05DA270}"/>
+                </a:ext>
+              </a:extLst>
+            </p:cNvPr>
+            <p:cNvSpPr txBox="1"/>
+            <p:nvPr/>
+          </p:nvSpPr>
+          <p:spPr>
+            <a:xfrm>
+              <a:off x="7985983" y="3569942"/>
+              <a:ext cx="787395" cy="338554"/>
+            </a:xfrm>
+            <a:prstGeom prst="rect">
+              <a:avLst/>
+            </a:prstGeom>
+            <a:noFill/>
+          </p:spPr>
+          <p:txBody>
+            <a:bodyPr wrap="none" rtlCol="0">
+              <a:spAutoFit/>
+            </a:bodyPr>
+            <a:lstStyle/>
+            <a:p>
+              <a:pPr algn="ctr"/>
+              <a:r>
+                <a:rPr lang="en-US" sz="1600" dirty="0">
+                  <a:solidFill>
+                    <a:schemeClr val="accent5">
+                      <a:lumMod val="50000"/>
+                    </a:schemeClr>
+                  </a:solidFill>
+                </a:rPr>
+                <a:t>200 </a:t>
+              </a:r>
+              <a:r>
+                <a:rPr lang="en-US" sz="1600" dirty="0" err="1">
+                  <a:solidFill>
+                    <a:schemeClr val="accent5">
+                      <a:lumMod val="50000"/>
+                    </a:schemeClr>
+                  </a:solidFill>
+                </a:rPr>
+                <a:t>ms</a:t>
+              </a:r>
+              <a:endParaRPr lang="en-US" sz="1600" dirty="0">
+                <a:solidFill>
+                  <a:schemeClr val="accent5">
+                    <a:lumMod val="50000"/>
+                  </a:schemeClr>
+                </a:solidFill>
+              </a:endParaRPr>
+            </a:p>
+          </p:txBody>
+        </p:sp>
+        <p:sp>
+          <p:nvSpPr>
+            <p:cNvPr id="75" name="TextBox 74">
+              <a:extLst>
+                <a:ext uri="{FF2B5EF4-FFF2-40B4-BE49-F238E27FC236}">
+                  <a16:creationId xmlns:a16="http://schemas.microsoft.com/office/drawing/2014/main" id="{13CF2060-E410-8A4A-8FD4-CCF589800818}"/>
+                </a:ext>
+              </a:extLst>
+            </p:cNvPr>
+            <p:cNvSpPr txBox="1"/>
+            <p:nvPr/>
+          </p:nvSpPr>
+          <p:spPr>
+            <a:xfrm>
+              <a:off x="9192444" y="3495741"/>
+              <a:ext cx="982577" cy="584775"/>
+            </a:xfrm>
+            <a:prstGeom prst="rect">
+              <a:avLst/>
+            </a:prstGeom>
+            <a:noFill/>
+          </p:spPr>
+          <p:txBody>
+            <a:bodyPr wrap="none" rtlCol="0">
+              <a:spAutoFit/>
+            </a:bodyPr>
+            <a:lstStyle/>
+            <a:p>
+              <a:pPr algn="ctr"/>
+              <a:r>
+                <a:rPr lang="en-US" sz="1600" dirty="0">
+                  <a:solidFill>
+                    <a:schemeClr val="accent5">
+                      <a:lumMod val="50000"/>
+                    </a:schemeClr>
+                  </a:solidFill>
+                </a:rPr>
+                <a:t>Until </a:t>
+              </a:r>
+            </a:p>
+            <a:p>
+              <a:pPr algn="ctr"/>
+              <a:r>
+                <a:rPr lang="en-US" sz="1600" dirty="0">
+                  <a:solidFill>
+                    <a:schemeClr val="accent5">
+                      <a:lumMod val="50000"/>
+                    </a:schemeClr>
+                  </a:solidFill>
+                </a:rPr>
+                <a:t>Response</a:t>
+              </a:r>
+            </a:p>
+          </p:txBody>
+        </p:sp>
+      </p:grpSp>
+    </p:spTree>
+    <p:extLst>
+      <p:ext uri="{BB962C8B-B14F-4D97-AF65-F5344CB8AC3E}">
+        <p14:creationId xmlns:p14="http://schemas.microsoft.com/office/powerpoint/2010/main" val="928133505"/>
+      </p:ext>
+    </p:extLst>
+  </p:cSld>
+  <p:clrMapOvr>
+    <a:masterClrMapping/>
+  </p:clrMapOvr>
+</p:sld>
+</file>
+
+<file path=ppt/slides/slide5.xml><?xml version="1.0" encoding="utf-8"?>
+<p:sld xmlns:a="http://schemas.openxmlformats.org/drawingml/2006/main" xmlns:r="http://schemas.openxmlformats.org/officeDocument/2006/relationships" xmlns:p="http://schemas.openxmlformats.org/presentationml/2006/main">
+  <p:cSld>
+    <p:spTree>
+      <p:nvGrpSpPr>
+        <p:cNvPr id="1" name=""/>
+        <p:cNvGrpSpPr/>
+        <p:nvPr/>
+      </p:nvGrpSpPr>
+      <p:grpSpPr>
+        <a:xfrm>
+          <a:off x="0" y="0"/>
+          <a:ext cx="0" cy="0"/>
+          <a:chOff x="0" y="0"/>
+          <a:chExt cx="0" cy="0"/>
+        </a:xfrm>
+      </p:grpSpPr>
+      <p:grpSp>
+        <p:nvGrpSpPr>
+          <p:cNvPr id="4" name="Group 3">
+            <a:extLst>
+              <a:ext uri="{FF2B5EF4-FFF2-40B4-BE49-F238E27FC236}">
+                <a16:creationId xmlns:a16="http://schemas.microsoft.com/office/drawing/2014/main" id="{234DBDD6-0AD8-8C43-B6BF-7C515CF73A3B}"/>
+              </a:ext>
+            </a:extLst>
+          </p:cNvPr>
+          <p:cNvGrpSpPr/>
+          <p:nvPr/>
+        </p:nvGrpSpPr>
+        <p:grpSpPr>
+          <a:xfrm>
+            <a:off x="-834912" y="524210"/>
+            <a:ext cx="12922834" cy="5672518"/>
+            <a:chOff x="-834912" y="524210"/>
+            <a:chExt cx="12922834" cy="5672518"/>
+          </a:xfrm>
+        </p:grpSpPr>
+        <p:grpSp>
+          <p:nvGrpSpPr>
+            <p:cNvPr id="2" name="Group 1">
+              <a:extLst>
+                <a:ext uri="{FF2B5EF4-FFF2-40B4-BE49-F238E27FC236}">
+                  <a16:creationId xmlns:a16="http://schemas.microsoft.com/office/drawing/2014/main" id="{0F66EA05-0AF9-A743-8342-7B34A689C727}"/>
+                </a:ext>
+              </a:extLst>
+            </p:cNvPr>
+            <p:cNvGrpSpPr/>
+            <p:nvPr/>
+          </p:nvGrpSpPr>
+          <p:grpSpPr>
+            <a:xfrm>
+              <a:off x="-834912" y="524210"/>
+              <a:ext cx="12922834" cy="5672518"/>
+              <a:chOff x="-834912" y="524210"/>
+              <a:chExt cx="12922834" cy="5672518"/>
+            </a:xfrm>
+          </p:grpSpPr>
+          <p:cxnSp>
+            <p:nvCxnSpPr>
+              <p:cNvPr id="3" name="Straight Connector 2">
+                <a:extLst>
+                  <a:ext uri="{FF2B5EF4-FFF2-40B4-BE49-F238E27FC236}">
+                    <a16:creationId xmlns:a16="http://schemas.microsoft.com/office/drawing/2014/main" id="{6E62DBE0-735E-2E4D-8882-99B690D5DFE3}"/>
+                  </a:ext>
+                </a:extLst>
+              </p:cNvPr>
+              <p:cNvCxnSpPr/>
+              <p:nvPr/>
+            </p:nvCxnSpPr>
+            <p:spPr>
+              <a:xfrm>
+                <a:off x="122663" y="3429000"/>
+                <a:ext cx="11965259" cy="0"/>
+              </a:xfrm>
+              <a:prstGeom prst="line">
+                <a:avLst/>
+              </a:prstGeom>
+              <a:ln w="38100">
+                <a:solidFill>
+                  <a:schemeClr val="bg2">
+                    <a:lumMod val="25000"/>
+                  </a:schemeClr>
+                </a:solidFill>
+              </a:ln>
+            </p:spPr>
+            <p:style>
+              <a:lnRef idx="1">
+                <a:schemeClr val="accent1"/>
+              </a:lnRef>
+              <a:fillRef idx="0">
+                <a:schemeClr val="accent1"/>
+              </a:fillRef>
+              <a:effectRef idx="0">
+                <a:schemeClr val="accent1"/>
+              </a:effectRef>
+              <a:fontRef idx="minor">
+                <a:schemeClr val="tx1"/>
+              </a:fontRef>
+            </p:style>
+          </p:cxnSp>
+          <p:cxnSp>
+            <p:nvCxnSpPr>
+              <p:cNvPr id="7" name="Straight Connector 6">
+                <a:extLst>
+                  <a:ext uri="{FF2B5EF4-FFF2-40B4-BE49-F238E27FC236}">
+                    <a16:creationId xmlns:a16="http://schemas.microsoft.com/office/drawing/2014/main" id="{38D3C2A9-413D-144B-9A81-F38FF9FFA690}"/>
+                  </a:ext>
+                </a:extLst>
+              </p:cNvPr>
+              <p:cNvCxnSpPr>
+                <a:cxnSpLocks/>
+              </p:cNvCxnSpPr>
+              <p:nvPr/>
+            </p:nvCxnSpPr>
+            <p:spPr>
+              <a:xfrm>
+                <a:off x="4193599" y="2971800"/>
+                <a:ext cx="0" cy="914400"/>
+              </a:xfrm>
+              <a:prstGeom prst="line">
+                <a:avLst/>
+              </a:prstGeom>
+              <a:ln w="28575">
+                <a:solidFill>
+                  <a:schemeClr val="tx2">
+                    <a:lumMod val="75000"/>
+                  </a:schemeClr>
+                </a:solidFill>
+              </a:ln>
+            </p:spPr>
+            <p:style>
+              <a:lnRef idx="1">
+                <a:schemeClr val="accent1"/>
+              </a:lnRef>
+              <a:fillRef idx="0">
+                <a:schemeClr val="accent1"/>
+              </a:fillRef>
+              <a:effectRef idx="0">
+                <a:schemeClr val="accent1"/>
+              </a:effectRef>
+              <a:fontRef idx="minor">
+                <a:schemeClr val="tx1"/>
+              </a:fontRef>
+            </p:style>
+          </p:cxnSp>
+          <p:cxnSp>
+            <p:nvCxnSpPr>
+              <p:cNvPr id="9" name="Straight Connector 8">
+                <a:extLst>
+                  <a:ext uri="{FF2B5EF4-FFF2-40B4-BE49-F238E27FC236}">
+                    <a16:creationId xmlns:a16="http://schemas.microsoft.com/office/drawing/2014/main" id="{CFFF027F-063B-A24A-BC62-92FCBD47DAB2}"/>
+                  </a:ext>
+                </a:extLst>
+              </p:cNvPr>
+              <p:cNvCxnSpPr>
+                <a:cxnSpLocks/>
+              </p:cNvCxnSpPr>
+              <p:nvPr/>
+            </p:nvCxnSpPr>
+            <p:spPr>
+              <a:xfrm>
+                <a:off x="7693036" y="3200400"/>
+                <a:ext cx="0" cy="457200"/>
+              </a:xfrm>
+              <a:prstGeom prst="line">
+                <a:avLst/>
+              </a:prstGeom>
+              <a:ln w="28575">
+                <a:solidFill>
+                  <a:schemeClr val="tx2">
+                    <a:lumMod val="75000"/>
+                  </a:schemeClr>
+                </a:solidFill>
+              </a:ln>
+            </p:spPr>
+            <p:style>
+              <a:lnRef idx="1">
+                <a:schemeClr val="accent1"/>
+              </a:lnRef>
+              <a:fillRef idx="0">
+                <a:schemeClr val="accent1"/>
+              </a:fillRef>
+              <a:effectRef idx="0">
+                <a:schemeClr val="accent1"/>
+              </a:effectRef>
+              <a:fontRef idx="minor">
+                <a:schemeClr val="tx1"/>
+              </a:fontRef>
+            </p:style>
+          </p:cxnSp>
+          <p:cxnSp>
+            <p:nvCxnSpPr>
+              <p:cNvPr id="10" name="Straight Connector 9">
+                <a:extLst>
+                  <a:ext uri="{FF2B5EF4-FFF2-40B4-BE49-F238E27FC236}">
+                    <a16:creationId xmlns:a16="http://schemas.microsoft.com/office/drawing/2014/main" id="{BCECE865-5C7B-D341-B72C-F3F4D1918845}"/>
+                  </a:ext>
+                </a:extLst>
+              </p:cNvPr>
+              <p:cNvCxnSpPr>
+                <a:cxnSpLocks/>
+              </p:cNvCxnSpPr>
+              <p:nvPr/>
+            </p:nvCxnSpPr>
+            <p:spPr>
+              <a:xfrm>
+                <a:off x="9067888" y="3200400"/>
+                <a:ext cx="0" cy="457200"/>
+              </a:xfrm>
+              <a:prstGeom prst="line">
+                <a:avLst/>
+              </a:prstGeom>
+              <a:ln w="28575">
+                <a:solidFill>
+                  <a:schemeClr val="tx2">
+                    <a:lumMod val="75000"/>
+                  </a:schemeClr>
+                </a:solidFill>
+              </a:ln>
+            </p:spPr>
+            <p:style>
+              <a:lnRef idx="1">
+                <a:schemeClr val="accent1"/>
+              </a:lnRef>
+              <a:fillRef idx="0">
+                <a:schemeClr val="accent1"/>
+              </a:fillRef>
+              <a:effectRef idx="0">
+                <a:schemeClr val="accent1"/>
+              </a:effectRef>
+              <a:fontRef idx="minor">
+                <a:schemeClr val="tx1"/>
+              </a:fontRef>
+            </p:style>
+          </p:cxnSp>
+          <p:sp>
+            <p:nvSpPr>
+              <p:cNvPr id="12" name="TextBox 11">
+                <a:extLst>
+                  <a:ext uri="{FF2B5EF4-FFF2-40B4-BE49-F238E27FC236}">
+                    <a16:creationId xmlns:a16="http://schemas.microsoft.com/office/drawing/2014/main" id="{665549DA-43DD-8947-8AF6-E370FD9E43C7}"/>
+                  </a:ext>
+                </a:extLst>
+              </p:cNvPr>
+              <p:cNvSpPr txBox="1"/>
+              <p:nvPr/>
+            </p:nvSpPr>
+            <p:spPr>
+              <a:xfrm>
+                <a:off x="4732578" y="1728435"/>
+                <a:ext cx="1061766" cy="707886"/>
+              </a:xfrm>
+              <a:prstGeom prst="rect">
+                <a:avLst/>
+              </a:prstGeom>
+              <a:noFill/>
+            </p:spPr>
+            <p:txBody>
+              <a:bodyPr wrap="none" rtlCol="0">
+                <a:spAutoFit/>
+              </a:bodyPr>
+              <a:lstStyle/>
+              <a:p>
+                <a:pPr algn="ctr"/>
+                <a:r>
+                  <a:rPr lang="en-US" sz="4000" dirty="0"/>
+                  <a:t>Trial</a:t>
+                </a:r>
+              </a:p>
+            </p:txBody>
+          </p:sp>
+          <p:sp>
+            <p:nvSpPr>
+              <p:cNvPr id="13" name="TextBox 12">
+                <a:extLst>
+                  <a:ext uri="{FF2B5EF4-FFF2-40B4-BE49-F238E27FC236}">
+                    <a16:creationId xmlns:a16="http://schemas.microsoft.com/office/drawing/2014/main" id="{67E57915-D57C-504B-8AC9-12343E3A40D3}"/>
+                  </a:ext>
+                </a:extLst>
+              </p:cNvPr>
+              <p:cNvSpPr txBox="1"/>
+              <p:nvPr/>
+            </p:nvSpPr>
+            <p:spPr>
+              <a:xfrm>
+                <a:off x="2443071" y="1851546"/>
+                <a:ext cx="1222707" cy="461665"/>
+              </a:xfrm>
+              <a:prstGeom prst="rect">
+                <a:avLst/>
+              </a:prstGeom>
+              <a:noFill/>
+            </p:spPr>
+            <p:txBody>
+              <a:bodyPr wrap="none" rtlCol="0">
+                <a:spAutoFit/>
+              </a:bodyPr>
+              <a:lstStyle/>
+              <a:p>
+                <a:pPr algn="ctr"/>
+                <a:r>
+                  <a:rPr lang="en-US" sz="2400" dirty="0"/>
+                  <a:t>Pre-Trial</a:t>
+                </a:r>
+              </a:p>
+            </p:txBody>
+          </p:sp>
+          <p:sp>
+            <p:nvSpPr>
+              <p:cNvPr id="14" name="TextBox 13">
+                <a:extLst>
+                  <a:ext uri="{FF2B5EF4-FFF2-40B4-BE49-F238E27FC236}">
+                    <a16:creationId xmlns:a16="http://schemas.microsoft.com/office/drawing/2014/main" id="{8EB81DBD-433C-6F47-BDCB-A5789DE85E6B}"/>
+                  </a:ext>
+                </a:extLst>
+              </p:cNvPr>
+              <p:cNvSpPr txBox="1"/>
+              <p:nvPr/>
+            </p:nvSpPr>
+            <p:spPr>
+              <a:xfrm>
+                <a:off x="-834912" y="4628645"/>
+                <a:ext cx="2001638" cy="338554"/>
+              </a:xfrm>
+              <a:prstGeom prst="rect">
+                <a:avLst/>
+              </a:prstGeom>
+              <a:noFill/>
+            </p:spPr>
+            <p:txBody>
+              <a:bodyPr wrap="none" rtlCol="0">
+                <a:spAutoFit/>
+              </a:bodyPr>
+              <a:lstStyle/>
+              <a:p>
+                <a:pPr algn="ctr"/>
+                <a:r>
+                  <a:rPr lang="en-US" sz="1600" dirty="0" err="1"/>
+                  <a:t>starttracking.message</a:t>
+                </a:r>
+                <a:endParaRPr lang="en-US" sz="1600" dirty="0"/>
+              </a:p>
+            </p:txBody>
+          </p:sp>
+          <p:sp>
+            <p:nvSpPr>
+              <p:cNvPr id="17" name="TextBox 16">
+                <a:extLst>
+                  <a:ext uri="{FF2B5EF4-FFF2-40B4-BE49-F238E27FC236}">
+                    <a16:creationId xmlns:a16="http://schemas.microsoft.com/office/drawing/2014/main" id="{5E5F3C1D-FE7D-0543-BBB0-09AF422C249A}"/>
+                  </a:ext>
+                </a:extLst>
+              </p:cNvPr>
+              <p:cNvSpPr txBox="1"/>
+              <p:nvPr/>
+            </p:nvSpPr>
+            <p:spPr>
+              <a:xfrm>
+                <a:off x="3315601" y="4628645"/>
+                <a:ext cx="1755995" cy="338554"/>
+              </a:xfrm>
+              <a:prstGeom prst="rect">
+                <a:avLst/>
+              </a:prstGeom>
+              <a:noFill/>
+            </p:spPr>
+            <p:txBody>
+              <a:bodyPr wrap="none" rtlCol="0">
+                <a:spAutoFit/>
+              </a:bodyPr>
+              <a:lstStyle/>
+              <a:p>
+                <a:pPr algn="ctr"/>
+                <a:r>
+                  <a:rPr lang="en-US" sz="1600" dirty="0" err="1"/>
+                  <a:t>trialonset.message</a:t>
+                </a:r>
+                <a:endParaRPr lang="en-US" sz="1600" dirty="0"/>
+              </a:p>
+            </p:txBody>
+          </p:sp>
+          <p:cxnSp>
+            <p:nvCxnSpPr>
+              <p:cNvPr id="18" name="Straight Arrow Connector 17">
+                <a:extLst>
+                  <a:ext uri="{FF2B5EF4-FFF2-40B4-BE49-F238E27FC236}">
+                    <a16:creationId xmlns:a16="http://schemas.microsoft.com/office/drawing/2014/main" id="{A50C6D17-D119-8C4B-9F1C-C70536680BE5}"/>
+                  </a:ext>
+                </a:extLst>
+              </p:cNvPr>
+              <p:cNvCxnSpPr>
+                <a:cxnSpLocks/>
+                <a:stCxn id="17" idx="0"/>
+              </p:cNvCxnSpPr>
+              <p:nvPr/>
+            </p:nvCxnSpPr>
+            <p:spPr>
+              <a:xfrm flipV="1">
+                <a:off x="4193599" y="4000501"/>
+                <a:ext cx="0" cy="628144"/>
+              </a:xfrm>
+              <a:prstGeom prst="straightConnector1">
+                <a:avLst/>
+              </a:prstGeom>
+              <a:ln w="19050">
+                <a:solidFill>
+                  <a:schemeClr val="tx1"/>
+                </a:solidFill>
+                <a:tailEnd type="triangle"/>
+              </a:ln>
+            </p:spPr>
+            <p:style>
+              <a:lnRef idx="1">
+                <a:schemeClr val="accent1"/>
+              </a:lnRef>
+              <a:fillRef idx="0">
+                <a:schemeClr val="accent1"/>
+              </a:fillRef>
+              <a:effectRef idx="0">
+                <a:schemeClr val="accent1"/>
+              </a:effectRef>
+              <a:fontRef idx="minor">
+                <a:schemeClr val="tx1"/>
+              </a:fontRef>
+            </p:style>
+          </p:cxnSp>
+          <p:sp>
+            <p:nvSpPr>
+              <p:cNvPr id="22" name="TextBox 21">
+                <a:extLst>
+                  <a:ext uri="{FF2B5EF4-FFF2-40B4-BE49-F238E27FC236}">
+                    <a16:creationId xmlns:a16="http://schemas.microsoft.com/office/drawing/2014/main" id="{ED24D1F5-AF9A-C743-B7E4-3B80C28736F4}"/>
+                  </a:ext>
+                </a:extLst>
+              </p:cNvPr>
+              <p:cNvSpPr txBox="1"/>
+              <p:nvPr/>
+            </p:nvSpPr>
+            <p:spPr>
+              <a:xfrm>
+                <a:off x="2339249" y="3590688"/>
+                <a:ext cx="1556516" cy="338554"/>
+              </a:xfrm>
+              <a:prstGeom prst="rect">
+                <a:avLst/>
+              </a:prstGeom>
+              <a:noFill/>
+            </p:spPr>
+            <p:txBody>
+              <a:bodyPr wrap="none" rtlCol="0">
+                <a:spAutoFit/>
+              </a:bodyPr>
+              <a:lstStyle/>
+              <a:p>
+                <a:pPr algn="ctr"/>
+                <a:r>
+                  <a:rPr lang="en-US" sz="1600" dirty="0" err="1"/>
+                  <a:t>pretrial.duration</a:t>
+                </a:r>
+                <a:endParaRPr lang="en-US" sz="1600" dirty="0"/>
+              </a:p>
+            </p:txBody>
+          </p:sp>
+          <p:cxnSp>
+            <p:nvCxnSpPr>
+              <p:cNvPr id="23" name="Straight Arrow Connector 22">
+                <a:extLst>
+                  <a:ext uri="{FF2B5EF4-FFF2-40B4-BE49-F238E27FC236}">
+                    <a16:creationId xmlns:a16="http://schemas.microsoft.com/office/drawing/2014/main" id="{9F86BFD9-2269-D24D-AC81-C446899E2807}"/>
+                  </a:ext>
+                </a:extLst>
+              </p:cNvPr>
+              <p:cNvCxnSpPr>
+                <a:cxnSpLocks/>
+              </p:cNvCxnSpPr>
+              <p:nvPr/>
+            </p:nvCxnSpPr>
+            <p:spPr>
+              <a:xfrm flipH="1">
+                <a:off x="2167797" y="3568392"/>
+                <a:ext cx="1918011" cy="0"/>
+              </a:xfrm>
+              <a:prstGeom prst="straightConnector1">
+                <a:avLst/>
+              </a:prstGeom>
+              <a:ln w="19050">
+                <a:solidFill>
+                  <a:schemeClr val="tx1"/>
+                </a:solidFill>
+                <a:tailEnd type="triangle"/>
+              </a:ln>
+            </p:spPr>
+            <p:style>
+              <a:lnRef idx="1">
+                <a:schemeClr val="accent1"/>
+              </a:lnRef>
+              <a:fillRef idx="0">
+                <a:schemeClr val="accent1"/>
+              </a:fillRef>
+              <a:effectRef idx="0">
+                <a:schemeClr val="accent1"/>
+              </a:effectRef>
+              <a:fontRef idx="minor">
+                <a:schemeClr val="tx1"/>
+              </a:fontRef>
+            </p:style>
+          </p:cxnSp>
+          <p:sp>
+            <p:nvSpPr>
+              <p:cNvPr id="28" name="TextBox 27">
+                <a:extLst>
+                  <a:ext uri="{FF2B5EF4-FFF2-40B4-BE49-F238E27FC236}">
+                    <a16:creationId xmlns:a16="http://schemas.microsoft.com/office/drawing/2014/main" id="{D92D3E4D-1AEE-CD42-92D8-36567E615138}"/>
+                  </a:ext>
+                </a:extLst>
+              </p:cNvPr>
+              <p:cNvSpPr txBox="1"/>
+              <p:nvPr/>
+            </p:nvSpPr>
+            <p:spPr>
+              <a:xfrm>
+                <a:off x="3825840" y="2610951"/>
+                <a:ext cx="735521" cy="338554"/>
+              </a:xfrm>
+              <a:prstGeom prst="rect">
+                <a:avLst/>
+              </a:prstGeom>
+              <a:noFill/>
+            </p:spPr>
+            <p:txBody>
+              <a:bodyPr wrap="none" rtlCol="0">
+                <a:spAutoFit/>
+              </a:bodyPr>
+              <a:lstStyle/>
+              <a:p>
+                <a:pPr algn="ctr"/>
+                <a:r>
+                  <a:rPr lang="en-US" sz="1600" dirty="0"/>
+                  <a:t>Tone 1</a:t>
+                </a:r>
+              </a:p>
+            </p:txBody>
+          </p:sp>
+          <p:sp>
+            <p:nvSpPr>
+              <p:cNvPr id="35" name="TextBox 34">
+                <a:extLst>
+                  <a:ext uri="{FF2B5EF4-FFF2-40B4-BE49-F238E27FC236}">
+                    <a16:creationId xmlns:a16="http://schemas.microsoft.com/office/drawing/2014/main" id="{92E731FE-C96C-934B-9BBC-09039C036C42}"/>
+                  </a:ext>
+                </a:extLst>
+              </p:cNvPr>
+              <p:cNvSpPr txBox="1"/>
+              <p:nvPr/>
+            </p:nvSpPr>
+            <p:spPr>
+              <a:xfrm>
+                <a:off x="7329025" y="2857501"/>
+                <a:ext cx="735522" cy="338554"/>
+              </a:xfrm>
+              <a:prstGeom prst="rect">
+                <a:avLst/>
+              </a:prstGeom>
+              <a:noFill/>
+            </p:spPr>
+            <p:txBody>
+              <a:bodyPr wrap="none" rtlCol="0">
+                <a:spAutoFit/>
+              </a:bodyPr>
+              <a:lstStyle/>
+              <a:p>
+                <a:pPr algn="ctr"/>
+                <a:r>
+                  <a:rPr lang="en-US" sz="1600" dirty="0"/>
+                  <a:t>Tone 2</a:t>
+                </a:r>
+              </a:p>
+            </p:txBody>
+          </p:sp>
+          <p:sp>
+            <p:nvSpPr>
+              <p:cNvPr id="36" name="TextBox 35">
+                <a:extLst>
+                  <a:ext uri="{FF2B5EF4-FFF2-40B4-BE49-F238E27FC236}">
+                    <a16:creationId xmlns:a16="http://schemas.microsoft.com/office/drawing/2014/main" id="{58C71149-BCDF-2042-AE30-12A31BB24CFF}"/>
+                  </a:ext>
+                </a:extLst>
+              </p:cNvPr>
+              <p:cNvSpPr txBox="1"/>
+              <p:nvPr/>
+            </p:nvSpPr>
+            <p:spPr>
+              <a:xfrm>
+                <a:off x="3385396" y="5858174"/>
+                <a:ext cx="1616405" cy="338554"/>
+              </a:xfrm>
+              <a:prstGeom prst="rect">
+                <a:avLst/>
+              </a:prstGeom>
+              <a:noFill/>
+            </p:spPr>
+            <p:txBody>
+              <a:bodyPr wrap="none" rtlCol="0">
+                <a:spAutoFit/>
+              </a:bodyPr>
+              <a:lstStyle/>
+              <a:p>
+                <a:pPr algn="ctr"/>
+                <a:r>
+                  <a:rPr lang="en-US" sz="1600" dirty="0" err="1"/>
+                  <a:t>bconset.message</a:t>
+                </a:r>
+                <a:endParaRPr lang="en-US" sz="1600" dirty="0"/>
+              </a:p>
+            </p:txBody>
+          </p:sp>
+          <p:cxnSp>
+            <p:nvCxnSpPr>
+              <p:cNvPr id="37" name="Straight Arrow Connector 36">
+                <a:extLst>
+                  <a:ext uri="{FF2B5EF4-FFF2-40B4-BE49-F238E27FC236}">
+                    <a16:creationId xmlns:a16="http://schemas.microsoft.com/office/drawing/2014/main" id="{70F801D0-F79C-EC4E-9F1C-359F5D8B4244}"/>
+                  </a:ext>
+                </a:extLst>
+              </p:cNvPr>
+              <p:cNvCxnSpPr>
+                <a:cxnSpLocks/>
+                <a:stCxn id="36" idx="0"/>
+              </p:cNvCxnSpPr>
+              <p:nvPr/>
+            </p:nvCxnSpPr>
+            <p:spPr>
+              <a:xfrm flipV="1">
+                <a:off x="4193599" y="5001430"/>
+                <a:ext cx="0" cy="856744"/>
+              </a:xfrm>
+              <a:prstGeom prst="straightConnector1">
+                <a:avLst/>
+              </a:prstGeom>
+              <a:ln w="19050">
+                <a:solidFill>
+                  <a:schemeClr val="tx1"/>
+                </a:solidFill>
+                <a:tailEnd type="triangle"/>
+              </a:ln>
+            </p:spPr>
+            <p:style>
+              <a:lnRef idx="1">
+                <a:schemeClr val="accent1"/>
+              </a:lnRef>
+              <a:fillRef idx="0">
+                <a:schemeClr val="accent1"/>
+              </a:fillRef>
+              <a:effectRef idx="0">
+                <a:schemeClr val="accent1"/>
+              </a:effectRef>
+              <a:fontRef idx="minor">
+                <a:schemeClr val="tx1"/>
+              </a:fontRef>
+            </p:style>
+          </p:cxnSp>
+          <p:cxnSp>
+            <p:nvCxnSpPr>
+              <p:cNvPr id="41" name="Straight Arrow Connector 40">
+                <a:extLst>
+                  <a:ext uri="{FF2B5EF4-FFF2-40B4-BE49-F238E27FC236}">
+                    <a16:creationId xmlns:a16="http://schemas.microsoft.com/office/drawing/2014/main" id="{191542BA-9649-7F4F-82F2-8937F01057D9}"/>
+                  </a:ext>
+                </a:extLst>
+              </p:cNvPr>
+              <p:cNvCxnSpPr>
+                <a:cxnSpLocks/>
+              </p:cNvCxnSpPr>
+              <p:nvPr/>
+            </p:nvCxnSpPr>
+            <p:spPr>
+              <a:xfrm flipH="1">
+                <a:off x="3210437" y="3290357"/>
+                <a:ext cx="875371" cy="0"/>
+              </a:xfrm>
+              <a:prstGeom prst="straightConnector1">
+                <a:avLst/>
+              </a:prstGeom>
+              <a:ln w="19050">
+                <a:solidFill>
+                  <a:schemeClr val="tx1"/>
+                </a:solidFill>
+                <a:tailEnd type="triangle"/>
+              </a:ln>
+            </p:spPr>
+            <p:style>
+              <a:lnRef idx="1">
+                <a:schemeClr val="accent1"/>
+              </a:lnRef>
+              <a:fillRef idx="0">
+                <a:schemeClr val="accent1"/>
+              </a:fillRef>
+              <a:effectRef idx="0">
+                <a:schemeClr val="accent1"/>
+              </a:effectRef>
+              <a:fontRef idx="minor">
+                <a:schemeClr val="tx1"/>
+              </a:fontRef>
+            </p:style>
+          </p:cxnSp>
+          <p:sp>
+            <p:nvSpPr>
+              <p:cNvPr id="43" name="TextBox 42">
+                <a:extLst>
+                  <a:ext uri="{FF2B5EF4-FFF2-40B4-BE49-F238E27FC236}">
+                    <a16:creationId xmlns:a16="http://schemas.microsoft.com/office/drawing/2014/main" id="{C128C75D-BF32-0945-B1C3-28B33052BF71}"/>
+                  </a:ext>
+                </a:extLst>
+              </p:cNvPr>
+              <p:cNvSpPr txBox="1"/>
+              <p:nvPr/>
+            </p:nvSpPr>
+            <p:spPr>
+              <a:xfrm>
+                <a:off x="2666060" y="2880137"/>
+                <a:ext cx="1419748" cy="338554"/>
+              </a:xfrm>
+              <a:prstGeom prst="rect">
+                <a:avLst/>
+              </a:prstGeom>
+              <a:noFill/>
+            </p:spPr>
+            <p:txBody>
+              <a:bodyPr wrap="none" rtlCol="0">
+                <a:spAutoFit/>
+              </a:bodyPr>
+              <a:lstStyle/>
+              <a:p>
+                <a:pPr algn="ctr"/>
+                <a:r>
+                  <a:rPr lang="en-US" sz="1600" dirty="0" err="1"/>
+                  <a:t>prebc.duration</a:t>
+                </a:r>
+                <a:endParaRPr lang="en-US" sz="1600" dirty="0"/>
+              </a:p>
+            </p:txBody>
+          </p:sp>
+          <p:sp>
+            <p:nvSpPr>
+              <p:cNvPr id="44" name="TextBox 43">
+                <a:extLst>
+                  <a:ext uri="{FF2B5EF4-FFF2-40B4-BE49-F238E27FC236}">
+                    <a16:creationId xmlns:a16="http://schemas.microsoft.com/office/drawing/2014/main" id="{1F13164B-763B-E344-ACA3-8EFEB2CF3769}"/>
+                  </a:ext>
+                </a:extLst>
+              </p:cNvPr>
+              <p:cNvSpPr txBox="1"/>
+              <p:nvPr/>
+            </p:nvSpPr>
+            <p:spPr>
+              <a:xfrm>
+                <a:off x="8580925" y="2565112"/>
+                <a:ext cx="982577" cy="584775"/>
+              </a:xfrm>
+              <a:prstGeom prst="rect">
+                <a:avLst/>
+              </a:prstGeom>
+              <a:noFill/>
+            </p:spPr>
+            <p:txBody>
+              <a:bodyPr wrap="none" rtlCol="0">
+                <a:spAutoFit/>
+              </a:bodyPr>
+              <a:lstStyle/>
+              <a:p>
+                <a:pPr algn="ctr"/>
+                <a:r>
+                  <a:rPr lang="en-US" sz="1600" dirty="0"/>
+                  <a:t>Response</a:t>
+                </a:r>
+              </a:p>
+              <a:p>
+                <a:pPr algn="ctr"/>
+                <a:r>
+                  <a:rPr lang="en-US" sz="1600" dirty="0"/>
+                  <a:t>Start</a:t>
+                </a:r>
+              </a:p>
+            </p:txBody>
+          </p:sp>
+          <p:sp>
+            <p:nvSpPr>
+              <p:cNvPr id="45" name="TextBox 44">
+                <a:extLst>
+                  <a:ext uri="{FF2B5EF4-FFF2-40B4-BE49-F238E27FC236}">
+                    <a16:creationId xmlns:a16="http://schemas.microsoft.com/office/drawing/2014/main" id="{9DB6ED7A-4C48-B048-966F-105FE8B026AD}"/>
+                  </a:ext>
+                </a:extLst>
+              </p:cNvPr>
+              <p:cNvSpPr txBox="1"/>
+              <p:nvPr/>
+            </p:nvSpPr>
+            <p:spPr>
+              <a:xfrm>
+                <a:off x="588310" y="2868311"/>
+                <a:ext cx="1669817" cy="338554"/>
+              </a:xfrm>
+              <a:prstGeom prst="rect">
+                <a:avLst/>
+              </a:prstGeom>
+              <a:noFill/>
+            </p:spPr>
+            <p:txBody>
+              <a:bodyPr wrap="none" rtlCol="0">
+                <a:spAutoFit/>
+              </a:bodyPr>
+              <a:lstStyle/>
+              <a:p>
+                <a:pPr algn="ctr"/>
+                <a:r>
+                  <a:rPr lang="en-US" sz="1600" dirty="0"/>
+                  <a:t>Fixation (</a:t>
+                </a:r>
+                <a:r>
+                  <a:rPr lang="en-US" sz="1600" dirty="0">
+                    <a:solidFill>
+                      <a:schemeClr val="accent5">
+                        <a:lumMod val="50000"/>
+                      </a:schemeClr>
+                    </a:solidFill>
+                  </a:rPr>
+                  <a:t>3000ms</a:t>
+                </a:r>
+                <a:r>
+                  <a:rPr lang="en-US" sz="1600" dirty="0"/>
+                  <a:t>)</a:t>
+                </a:r>
+              </a:p>
+            </p:txBody>
+          </p:sp>
+          <p:cxnSp>
+            <p:nvCxnSpPr>
+              <p:cNvPr id="46" name="Straight Connector 45">
+                <a:extLst>
+                  <a:ext uri="{FF2B5EF4-FFF2-40B4-BE49-F238E27FC236}">
+                    <a16:creationId xmlns:a16="http://schemas.microsoft.com/office/drawing/2014/main" id="{C7BB774B-16E2-7947-8AC5-5F27F915933D}"/>
+                  </a:ext>
+                </a:extLst>
+              </p:cNvPr>
+              <p:cNvCxnSpPr>
+                <a:cxnSpLocks/>
+              </p:cNvCxnSpPr>
+              <p:nvPr/>
+            </p:nvCxnSpPr>
+            <p:spPr>
+              <a:xfrm>
+                <a:off x="1376056" y="3200400"/>
+                <a:ext cx="0" cy="457200"/>
+              </a:xfrm>
+              <a:prstGeom prst="line">
+                <a:avLst/>
+              </a:prstGeom>
+              <a:ln w="28575">
+                <a:solidFill>
+                  <a:schemeClr val="tx2">
+                    <a:lumMod val="75000"/>
+                  </a:schemeClr>
+                </a:solidFill>
+              </a:ln>
+            </p:spPr>
+            <p:style>
+              <a:lnRef idx="1">
+                <a:schemeClr val="accent1"/>
+              </a:lnRef>
+              <a:fillRef idx="0">
+                <a:schemeClr val="accent1"/>
+              </a:fillRef>
+              <a:effectRef idx="0">
+                <a:schemeClr val="accent1"/>
+              </a:effectRef>
+              <a:fontRef idx="minor">
+                <a:schemeClr val="tx1"/>
+              </a:fontRef>
+            </p:style>
+          </p:cxnSp>
+          <p:sp>
+            <p:nvSpPr>
+              <p:cNvPr id="29" name="TextBox 28">
+                <a:extLst>
+                  <a:ext uri="{FF2B5EF4-FFF2-40B4-BE49-F238E27FC236}">
+                    <a16:creationId xmlns:a16="http://schemas.microsoft.com/office/drawing/2014/main" id="{18F1EBA1-50DA-1D48-8F85-3C90A02BF6C0}"/>
+                  </a:ext>
+                </a:extLst>
+              </p:cNvPr>
+              <p:cNvSpPr txBox="1"/>
+              <p:nvPr/>
+            </p:nvSpPr>
+            <p:spPr>
+              <a:xfrm>
+                <a:off x="2196569" y="524210"/>
+                <a:ext cx="7596823" cy="707886"/>
+              </a:xfrm>
+              <a:prstGeom prst="rect">
+                <a:avLst/>
+              </a:prstGeom>
+              <a:noFill/>
+            </p:spPr>
+            <p:txBody>
+              <a:bodyPr wrap="none" rtlCol="0">
+                <a:spAutoFit/>
+              </a:bodyPr>
+              <a:lstStyle/>
+              <a:p>
+                <a:pPr algn="ctr"/>
+                <a:r>
+                  <a:rPr lang="en-US" sz="4000" dirty="0">
+                    <a:solidFill>
+                      <a:schemeClr val="tx1">
+                        <a:lumMod val="75000"/>
+                        <a:lumOff val="25000"/>
+                      </a:schemeClr>
+                    </a:solidFill>
+                  </a:rPr>
+                  <a:t>Pitch Discrimination Trial Procedure</a:t>
+                </a:r>
+              </a:p>
+            </p:txBody>
+          </p:sp>
+          <p:cxnSp>
+            <p:nvCxnSpPr>
+              <p:cNvPr id="31" name="Straight Connector 30">
+                <a:extLst>
+                  <a:ext uri="{FF2B5EF4-FFF2-40B4-BE49-F238E27FC236}">
+                    <a16:creationId xmlns:a16="http://schemas.microsoft.com/office/drawing/2014/main" id="{08F8A326-1A01-BF4D-B2F8-BBD3928C66D1}"/>
+                  </a:ext>
+                </a:extLst>
+              </p:cNvPr>
+              <p:cNvCxnSpPr>
+                <a:cxnSpLocks/>
+              </p:cNvCxnSpPr>
+              <p:nvPr/>
+            </p:nvCxnSpPr>
+            <p:spPr>
+              <a:xfrm>
+                <a:off x="5226262" y="3200399"/>
+                <a:ext cx="0" cy="457200"/>
+              </a:xfrm>
+              <a:prstGeom prst="line">
+                <a:avLst/>
+              </a:prstGeom>
+              <a:ln w="28575">
+                <a:solidFill>
+                  <a:schemeClr val="tx2">
+                    <a:lumMod val="75000"/>
+                  </a:schemeClr>
+                </a:solidFill>
+              </a:ln>
+            </p:spPr>
+            <p:style>
+              <a:lnRef idx="1">
+                <a:schemeClr val="accent1"/>
+              </a:lnRef>
+              <a:fillRef idx="0">
+                <a:schemeClr val="accent1"/>
+              </a:fillRef>
+              <a:effectRef idx="0">
+                <a:schemeClr val="accent1"/>
+              </a:effectRef>
+              <a:fontRef idx="minor">
+                <a:schemeClr val="tx1"/>
+              </a:fontRef>
+            </p:style>
+          </p:cxnSp>
+          <p:sp>
+            <p:nvSpPr>
+              <p:cNvPr id="32" name="TextBox 31">
+                <a:extLst>
+                  <a:ext uri="{FF2B5EF4-FFF2-40B4-BE49-F238E27FC236}">
+                    <a16:creationId xmlns:a16="http://schemas.microsoft.com/office/drawing/2014/main" id="{EB14D8AA-71C1-5947-9266-D42F43085979}"/>
+                  </a:ext>
+                </a:extLst>
+              </p:cNvPr>
+              <p:cNvSpPr txBox="1"/>
+              <p:nvPr/>
+            </p:nvSpPr>
+            <p:spPr>
+              <a:xfrm>
+                <a:off x="5039094" y="2857500"/>
+                <a:ext cx="381836" cy="338554"/>
+              </a:xfrm>
+              <a:prstGeom prst="rect">
+                <a:avLst/>
+              </a:prstGeom>
+              <a:noFill/>
+            </p:spPr>
+            <p:txBody>
+              <a:bodyPr wrap="none" rtlCol="0">
+                <a:spAutoFit/>
+              </a:bodyPr>
+              <a:lstStyle/>
+              <a:p>
+                <a:pPr algn="ctr"/>
+                <a:r>
+                  <a:rPr lang="en-US" sz="1600" dirty="0"/>
+                  <a:t>ISI</a:t>
+                </a:r>
+              </a:p>
+            </p:txBody>
+          </p:sp>
+          <p:cxnSp>
+            <p:nvCxnSpPr>
+              <p:cNvPr id="33" name="Straight Connector 32">
+                <a:extLst>
+                  <a:ext uri="{FF2B5EF4-FFF2-40B4-BE49-F238E27FC236}">
+                    <a16:creationId xmlns:a16="http://schemas.microsoft.com/office/drawing/2014/main" id="{8681C19E-4139-D440-9091-362E0A7DBB25}"/>
+                  </a:ext>
+                </a:extLst>
+              </p:cNvPr>
+              <p:cNvCxnSpPr>
+                <a:cxnSpLocks/>
+              </p:cNvCxnSpPr>
+              <p:nvPr/>
+            </p:nvCxnSpPr>
+            <p:spPr>
+              <a:xfrm>
+                <a:off x="10299576" y="3200400"/>
+                <a:ext cx="0" cy="457200"/>
+              </a:xfrm>
+              <a:prstGeom prst="line">
+                <a:avLst/>
+              </a:prstGeom>
+              <a:ln w="28575">
+                <a:solidFill>
+                  <a:schemeClr val="tx2">
+                    <a:lumMod val="75000"/>
+                  </a:schemeClr>
+                </a:solidFill>
+              </a:ln>
+            </p:spPr>
+            <p:style>
+              <a:lnRef idx="1">
+                <a:schemeClr val="accent1"/>
+              </a:lnRef>
+              <a:fillRef idx="0">
+                <a:schemeClr val="accent1"/>
+              </a:fillRef>
+              <a:effectRef idx="0">
+                <a:schemeClr val="accent1"/>
+              </a:effectRef>
+              <a:fontRef idx="minor">
+                <a:schemeClr val="tx1"/>
+              </a:fontRef>
+            </p:style>
+          </p:cxnSp>
+          <p:sp>
+            <p:nvSpPr>
+              <p:cNvPr id="34" name="TextBox 33">
+                <a:extLst>
+                  <a:ext uri="{FF2B5EF4-FFF2-40B4-BE49-F238E27FC236}">
+                    <a16:creationId xmlns:a16="http://schemas.microsoft.com/office/drawing/2014/main" id="{517A89C6-8829-9343-9D72-A7A643D7296C}"/>
+                  </a:ext>
+                </a:extLst>
+              </p:cNvPr>
+              <p:cNvSpPr txBox="1"/>
+              <p:nvPr/>
+            </p:nvSpPr>
+            <p:spPr>
+              <a:xfrm>
+                <a:off x="9833590" y="2565112"/>
+                <a:ext cx="982577" cy="584775"/>
+              </a:xfrm>
+              <a:prstGeom prst="rect">
+                <a:avLst/>
+              </a:prstGeom>
+              <a:noFill/>
+            </p:spPr>
+            <p:txBody>
+              <a:bodyPr wrap="none" rtlCol="0">
+                <a:spAutoFit/>
+              </a:bodyPr>
+              <a:lstStyle/>
+              <a:p>
+                <a:pPr algn="ctr"/>
+                <a:r>
+                  <a:rPr lang="en-US" sz="1600" dirty="0"/>
+                  <a:t>Response</a:t>
+                </a:r>
+              </a:p>
+              <a:p>
+                <a:pPr algn="ctr"/>
+                <a:r>
+                  <a:rPr lang="en-US" sz="1600" dirty="0"/>
+                  <a:t>Made</a:t>
+                </a:r>
+              </a:p>
+            </p:txBody>
+          </p:sp>
+          <p:cxnSp>
+            <p:nvCxnSpPr>
+              <p:cNvPr id="38" name="Straight Connector 37">
+                <a:extLst>
+                  <a:ext uri="{FF2B5EF4-FFF2-40B4-BE49-F238E27FC236}">
+                    <a16:creationId xmlns:a16="http://schemas.microsoft.com/office/drawing/2014/main" id="{97EE6946-90F6-2849-B485-3E2D83F5EF87}"/>
+                  </a:ext>
+                </a:extLst>
+              </p:cNvPr>
+              <p:cNvCxnSpPr>
+                <a:cxnSpLocks/>
+              </p:cNvCxnSpPr>
+              <p:nvPr/>
+            </p:nvCxnSpPr>
+            <p:spPr>
+              <a:xfrm>
+                <a:off x="11031588" y="3223036"/>
+                <a:ext cx="0" cy="457200"/>
+              </a:xfrm>
+              <a:prstGeom prst="line">
+                <a:avLst/>
+              </a:prstGeom>
+              <a:ln w="28575">
+                <a:solidFill>
+                  <a:schemeClr val="tx2">
+                    <a:lumMod val="75000"/>
+                  </a:schemeClr>
+                </a:solidFill>
+              </a:ln>
+            </p:spPr>
+            <p:style>
+              <a:lnRef idx="1">
+                <a:schemeClr val="accent1"/>
+              </a:lnRef>
+              <a:fillRef idx="0">
+                <a:schemeClr val="accent1"/>
+              </a:fillRef>
+              <a:effectRef idx="0">
+                <a:schemeClr val="accent1"/>
+              </a:effectRef>
+              <a:fontRef idx="minor">
+                <a:schemeClr val="tx1"/>
+              </a:fontRef>
+            </p:style>
+          </p:cxnSp>
+          <p:sp>
+            <p:nvSpPr>
+              <p:cNvPr id="39" name="TextBox 38">
+                <a:extLst>
+                  <a:ext uri="{FF2B5EF4-FFF2-40B4-BE49-F238E27FC236}">
+                    <a16:creationId xmlns:a16="http://schemas.microsoft.com/office/drawing/2014/main" id="{E7BADDE0-52C9-DA42-8CA5-557570D1ADCF}"/>
+                  </a:ext>
+                </a:extLst>
+              </p:cNvPr>
+              <p:cNvSpPr txBox="1"/>
+              <p:nvPr/>
+            </p:nvSpPr>
+            <p:spPr>
+              <a:xfrm>
+                <a:off x="10686878" y="2880137"/>
+                <a:ext cx="696922" cy="338554"/>
+              </a:xfrm>
+              <a:prstGeom prst="rect">
+                <a:avLst/>
+              </a:prstGeom>
+              <a:noFill/>
+            </p:spPr>
+            <p:txBody>
+              <a:bodyPr wrap="none" rtlCol="0">
+                <a:spAutoFit/>
+              </a:bodyPr>
+              <a:lstStyle/>
+              <a:p>
+                <a:pPr algn="ctr"/>
+                <a:r>
+                  <a:rPr lang="en-US" sz="1600" dirty="0"/>
+                  <a:t>Buffer</a:t>
+                </a:r>
+              </a:p>
+            </p:txBody>
+          </p:sp>
+          <p:sp>
+            <p:nvSpPr>
+              <p:cNvPr id="40" name="TextBox 39">
+                <a:extLst>
+                  <a:ext uri="{FF2B5EF4-FFF2-40B4-BE49-F238E27FC236}">
+                    <a16:creationId xmlns:a16="http://schemas.microsoft.com/office/drawing/2014/main" id="{D4AC621E-DC0E-614A-AB30-506B9800135F}"/>
+                  </a:ext>
+                </a:extLst>
+              </p:cNvPr>
+              <p:cNvSpPr txBox="1"/>
+              <p:nvPr/>
+            </p:nvSpPr>
+            <p:spPr>
+              <a:xfrm>
+                <a:off x="2681006" y="3959127"/>
+                <a:ext cx="891591" cy="338554"/>
+              </a:xfrm>
+              <a:prstGeom prst="rect">
+                <a:avLst/>
+              </a:prstGeom>
+              <a:noFill/>
+            </p:spPr>
+            <p:txBody>
+              <a:bodyPr wrap="none" rtlCol="0">
+                <a:spAutoFit/>
+              </a:bodyPr>
+              <a:lstStyle/>
+              <a:p>
+                <a:pPr algn="ctr"/>
+                <a:r>
+                  <a:rPr lang="en-US" sz="1600" dirty="0">
+                    <a:solidFill>
+                      <a:schemeClr val="accent5">
+                        <a:lumMod val="50000"/>
+                      </a:schemeClr>
+                    </a:solidFill>
+                  </a:rPr>
+                  <a:t>2000 </a:t>
+                </a:r>
+                <a:r>
+                  <a:rPr lang="en-US" sz="1600" dirty="0" err="1">
+                    <a:solidFill>
+                      <a:schemeClr val="accent5">
+                        <a:lumMod val="50000"/>
+                      </a:schemeClr>
+                    </a:solidFill>
+                  </a:rPr>
+                  <a:t>ms</a:t>
+                </a:r>
+                <a:endParaRPr lang="en-US" sz="1600" dirty="0">
+                  <a:solidFill>
+                    <a:schemeClr val="accent5">
+                      <a:lumMod val="50000"/>
+                    </a:schemeClr>
+                  </a:solidFill>
+                </a:endParaRPr>
+              </a:p>
+            </p:txBody>
+          </p:sp>
+          <p:sp>
+            <p:nvSpPr>
+              <p:cNvPr id="42" name="TextBox 41">
+                <a:extLst>
+                  <a:ext uri="{FF2B5EF4-FFF2-40B4-BE49-F238E27FC236}">
+                    <a16:creationId xmlns:a16="http://schemas.microsoft.com/office/drawing/2014/main" id="{25712A30-7E01-B84E-821B-4BC5141E3466}"/>
+                  </a:ext>
+                </a:extLst>
+              </p:cNvPr>
+              <p:cNvSpPr txBox="1"/>
+              <p:nvPr/>
+            </p:nvSpPr>
+            <p:spPr>
+              <a:xfrm>
+                <a:off x="2986940" y="2621481"/>
+                <a:ext cx="787395" cy="338554"/>
+              </a:xfrm>
+              <a:prstGeom prst="rect">
+                <a:avLst/>
+              </a:prstGeom>
+              <a:noFill/>
+            </p:spPr>
+            <p:txBody>
+              <a:bodyPr wrap="none" rtlCol="0">
+                <a:spAutoFit/>
+              </a:bodyPr>
+              <a:lstStyle/>
+              <a:p>
+                <a:pPr algn="ctr"/>
+                <a:r>
+                  <a:rPr lang="en-US" sz="1600" dirty="0">
+                    <a:solidFill>
+                      <a:schemeClr val="accent5">
+                        <a:lumMod val="50000"/>
+                      </a:schemeClr>
+                    </a:solidFill>
+                  </a:rPr>
+                  <a:t>200 </a:t>
+                </a:r>
+                <a:r>
+                  <a:rPr lang="en-US" sz="1600" dirty="0" err="1">
+                    <a:solidFill>
+                      <a:schemeClr val="accent5">
+                        <a:lumMod val="50000"/>
+                      </a:schemeClr>
+                    </a:solidFill>
+                  </a:rPr>
+                  <a:t>ms</a:t>
+                </a:r>
+                <a:endParaRPr lang="en-US" sz="1600" dirty="0">
+                  <a:solidFill>
+                    <a:schemeClr val="accent5">
+                      <a:lumMod val="50000"/>
+                    </a:schemeClr>
+                  </a:solidFill>
+                </a:endParaRPr>
+              </a:p>
+            </p:txBody>
+          </p:sp>
+          <p:sp>
+            <p:nvSpPr>
+              <p:cNvPr id="49" name="TextBox 48">
+                <a:extLst>
+                  <a:ext uri="{FF2B5EF4-FFF2-40B4-BE49-F238E27FC236}">
+                    <a16:creationId xmlns:a16="http://schemas.microsoft.com/office/drawing/2014/main" id="{CEB867A4-0696-1740-818B-48E79F34CEEC}"/>
+                  </a:ext>
+                </a:extLst>
+              </p:cNvPr>
+              <p:cNvSpPr txBox="1"/>
+              <p:nvPr/>
+            </p:nvSpPr>
+            <p:spPr>
+              <a:xfrm>
+                <a:off x="4293955" y="3564851"/>
+                <a:ext cx="787395" cy="338554"/>
+              </a:xfrm>
+              <a:prstGeom prst="rect">
+                <a:avLst/>
+              </a:prstGeom>
+              <a:noFill/>
+            </p:spPr>
+            <p:txBody>
+              <a:bodyPr wrap="none" rtlCol="0">
+                <a:spAutoFit/>
+              </a:bodyPr>
+              <a:lstStyle/>
+              <a:p>
+                <a:pPr algn="ctr"/>
+                <a:r>
+                  <a:rPr lang="en-US" sz="1600" dirty="0">
+                    <a:solidFill>
+                      <a:schemeClr val="accent5">
+                        <a:lumMod val="50000"/>
+                      </a:schemeClr>
+                    </a:solidFill>
+                  </a:rPr>
+                  <a:t>200 </a:t>
+                </a:r>
+                <a:r>
+                  <a:rPr lang="en-US" sz="1600" dirty="0" err="1">
+                    <a:solidFill>
+                      <a:schemeClr val="accent5">
+                        <a:lumMod val="50000"/>
+                      </a:schemeClr>
+                    </a:solidFill>
+                  </a:rPr>
+                  <a:t>ms</a:t>
+                </a:r>
+                <a:endParaRPr lang="en-US" sz="1600" dirty="0">
+                  <a:solidFill>
+                    <a:schemeClr val="accent5">
+                      <a:lumMod val="50000"/>
+                    </a:schemeClr>
+                  </a:solidFill>
+                </a:endParaRPr>
+              </a:p>
+            </p:txBody>
+          </p:sp>
+          <p:sp>
+            <p:nvSpPr>
+              <p:cNvPr id="50" name="TextBox 49">
+                <a:extLst>
+                  <a:ext uri="{FF2B5EF4-FFF2-40B4-BE49-F238E27FC236}">
+                    <a16:creationId xmlns:a16="http://schemas.microsoft.com/office/drawing/2014/main" id="{125A23CA-9633-4F47-AED1-542C415DB519}"/>
+                  </a:ext>
+                </a:extLst>
+              </p:cNvPr>
+              <p:cNvSpPr txBox="1"/>
+              <p:nvPr/>
+            </p:nvSpPr>
+            <p:spPr>
+              <a:xfrm>
+                <a:off x="6115955" y="3569942"/>
+                <a:ext cx="787395" cy="338554"/>
+              </a:xfrm>
+              <a:prstGeom prst="rect">
+                <a:avLst/>
+              </a:prstGeom>
+              <a:noFill/>
+            </p:spPr>
+            <p:txBody>
+              <a:bodyPr wrap="none" rtlCol="0">
+                <a:spAutoFit/>
+              </a:bodyPr>
+              <a:lstStyle/>
+              <a:p>
+                <a:pPr algn="ctr"/>
+                <a:r>
+                  <a:rPr lang="en-US" sz="1600" dirty="0">
+                    <a:solidFill>
+                      <a:schemeClr val="accent5">
+                        <a:lumMod val="50000"/>
+                      </a:schemeClr>
+                    </a:solidFill>
+                  </a:rPr>
+                  <a:t>500 </a:t>
+                </a:r>
+                <a:r>
+                  <a:rPr lang="en-US" sz="1600" dirty="0" err="1">
+                    <a:solidFill>
+                      <a:schemeClr val="accent5">
+                        <a:lumMod val="50000"/>
+                      </a:schemeClr>
+                    </a:solidFill>
+                  </a:rPr>
+                  <a:t>ms</a:t>
+                </a:r>
+                <a:endParaRPr lang="en-US" sz="1600" dirty="0">
+                  <a:solidFill>
+                    <a:schemeClr val="accent5">
+                      <a:lumMod val="50000"/>
+                    </a:schemeClr>
+                  </a:solidFill>
+                </a:endParaRPr>
+              </a:p>
+            </p:txBody>
+          </p:sp>
+          <p:sp>
+            <p:nvSpPr>
+              <p:cNvPr id="51" name="TextBox 50">
+                <a:extLst>
+                  <a:ext uri="{FF2B5EF4-FFF2-40B4-BE49-F238E27FC236}">
+                    <a16:creationId xmlns:a16="http://schemas.microsoft.com/office/drawing/2014/main" id="{32131A50-AA4D-C846-AABD-CFD762873947}"/>
+                  </a:ext>
+                </a:extLst>
+              </p:cNvPr>
+              <p:cNvSpPr txBox="1"/>
+              <p:nvPr/>
+            </p:nvSpPr>
+            <p:spPr>
+              <a:xfrm>
+                <a:off x="7985983" y="3569942"/>
+                <a:ext cx="787395" cy="338554"/>
+              </a:xfrm>
+              <a:prstGeom prst="rect">
+                <a:avLst/>
+              </a:prstGeom>
+              <a:noFill/>
+            </p:spPr>
+            <p:txBody>
+              <a:bodyPr wrap="none" rtlCol="0">
+                <a:spAutoFit/>
+              </a:bodyPr>
+              <a:lstStyle/>
+              <a:p>
+                <a:pPr algn="ctr"/>
+                <a:r>
+                  <a:rPr lang="en-US" sz="1600" dirty="0">
+                    <a:solidFill>
+                      <a:schemeClr val="accent5">
+                        <a:lumMod val="50000"/>
+                      </a:schemeClr>
+                    </a:solidFill>
+                  </a:rPr>
+                  <a:t>200 </a:t>
+                </a:r>
+                <a:r>
+                  <a:rPr lang="en-US" sz="1600" dirty="0" err="1">
+                    <a:solidFill>
+                      <a:schemeClr val="accent5">
+                        <a:lumMod val="50000"/>
+                      </a:schemeClr>
+                    </a:solidFill>
+                  </a:rPr>
+                  <a:t>ms</a:t>
+                </a:r>
+                <a:endParaRPr lang="en-US" sz="1600" dirty="0">
+                  <a:solidFill>
+                    <a:schemeClr val="accent5">
+                      <a:lumMod val="50000"/>
+                    </a:schemeClr>
+                  </a:solidFill>
+                </a:endParaRPr>
+              </a:p>
+            </p:txBody>
+          </p:sp>
+          <p:sp>
+            <p:nvSpPr>
+              <p:cNvPr id="52" name="TextBox 51">
+                <a:extLst>
+                  <a:ext uri="{FF2B5EF4-FFF2-40B4-BE49-F238E27FC236}">
+                    <a16:creationId xmlns:a16="http://schemas.microsoft.com/office/drawing/2014/main" id="{FA713EF6-F49E-AD4D-B096-F9F4EC2F5FD9}"/>
+                  </a:ext>
+                </a:extLst>
+              </p:cNvPr>
+              <p:cNvSpPr txBox="1"/>
+              <p:nvPr/>
+            </p:nvSpPr>
+            <p:spPr>
+              <a:xfrm>
+                <a:off x="9192444" y="3495741"/>
+                <a:ext cx="982577" cy="584775"/>
+              </a:xfrm>
+              <a:prstGeom prst="rect">
+                <a:avLst/>
+              </a:prstGeom>
+              <a:noFill/>
+            </p:spPr>
+            <p:txBody>
+              <a:bodyPr wrap="none" rtlCol="0">
+                <a:spAutoFit/>
+              </a:bodyPr>
+              <a:lstStyle/>
+              <a:p>
+                <a:pPr algn="ctr"/>
+                <a:r>
+                  <a:rPr lang="en-US" sz="1600" dirty="0">
+                    <a:solidFill>
+                      <a:schemeClr val="accent5">
+                        <a:lumMod val="50000"/>
+                      </a:schemeClr>
+                    </a:solidFill>
+                  </a:rPr>
+                  <a:t>Until </a:t>
+                </a:r>
+              </a:p>
+              <a:p>
+                <a:pPr algn="ctr"/>
+                <a:r>
+                  <a:rPr lang="en-US" sz="1600" dirty="0">
+                    <a:solidFill>
+                      <a:schemeClr val="accent5">
+                        <a:lumMod val="50000"/>
+                      </a:schemeClr>
+                    </a:solidFill>
+                  </a:rPr>
+                  <a:t>Response</a:t>
+                </a:r>
+              </a:p>
+            </p:txBody>
+          </p:sp>
+        </p:grpSp>
+        <p:cxnSp>
+          <p:nvCxnSpPr>
+            <p:cNvPr id="48" name="Straight Arrow Connector 47">
+              <a:extLst>
+                <a:ext uri="{FF2B5EF4-FFF2-40B4-BE49-F238E27FC236}">
+                  <a16:creationId xmlns:a16="http://schemas.microsoft.com/office/drawing/2014/main" id="{8D37575C-D4B1-5744-B480-C443F9003464}"/>
+                </a:ext>
+              </a:extLst>
+            </p:cNvPr>
+            <p:cNvCxnSpPr>
+              <a:cxnSpLocks/>
+            </p:cNvCxnSpPr>
+            <p:nvPr/>
+          </p:nvCxnSpPr>
+          <p:spPr>
+            <a:xfrm flipV="1">
+              <a:off x="165907" y="3680236"/>
+              <a:ext cx="1114253" cy="948409"/>
+            </a:xfrm>
+            <a:prstGeom prst="straightConnector1">
+              <a:avLst/>
+            </a:prstGeom>
+            <a:ln w="19050">
+              <a:solidFill>
+                <a:schemeClr val="tx1"/>
+              </a:solidFill>
+              <a:tailEnd type="triangle"/>
+            </a:ln>
+          </p:spPr>
+          <p:style>
+            <a:lnRef idx="1">
+              <a:schemeClr val="accent1"/>
+            </a:lnRef>
+            <a:fillRef idx="0">
+              <a:schemeClr val="accent1"/>
+            </a:fillRef>
+            <a:effectRef idx="0">
+              <a:schemeClr val="accent1"/>
+            </a:effectRef>
+            <a:fontRef idx="minor">
+              <a:schemeClr val="tx1"/>
+            </a:fontRef>
+          </p:style>
+        </p:cxnSp>
+      </p:grpSp>
+    </p:spTree>
+    <p:extLst>
+      <p:ext uri="{BB962C8B-B14F-4D97-AF65-F5344CB8AC3E}">
+        <p14:creationId xmlns:p14="http://schemas.microsoft.com/office/powerpoint/2010/main" val="2747597115"/>
+      </p:ext>
+    </p:extLst>
+  </p:cSld>
+  <p:clrMapOvr>
+    <a:masterClrMapping/>
+  </p:clrMapOvr>
+</p:sld>
+</file>
+
 <file path=ppt/theme/theme1.xml><?xml version="1.0" encoding="utf-8"?>
 <a:theme xmlns:a="http://schemas.openxmlformats.org/drawingml/2006/main" name="Office Theme">
   <a:themeElements>

--- a/trialmarkers.pptx
+++ b/trialmarkers.pptx
@@ -263,7 +263,7 @@
           <a:p>
             <a:fld id="{2C267EC4-01EB-6746-88D9-CD2C789C4F7B}" type="datetimeFigureOut">
               <a:rPr lang="en-US" smtClean="0"/>
-              <a:t>9/25/19</a:t>
+              <a:t>10/21/19</a:t>
             </a:fld>
             <a:endParaRPr lang="en-US"/>
           </a:p>
@@ -461,7 +461,7 @@
           <a:p>
             <a:fld id="{2C267EC4-01EB-6746-88D9-CD2C789C4F7B}" type="datetimeFigureOut">
               <a:rPr lang="en-US" smtClean="0"/>
-              <a:t>9/25/19</a:t>
+              <a:t>10/21/19</a:t>
             </a:fld>
             <a:endParaRPr lang="en-US"/>
           </a:p>
@@ -669,7 +669,7 @@
           <a:p>
             <a:fld id="{2C267EC4-01EB-6746-88D9-CD2C789C4F7B}" type="datetimeFigureOut">
               <a:rPr lang="en-US" smtClean="0"/>
-              <a:t>9/25/19</a:t>
+              <a:t>10/21/19</a:t>
             </a:fld>
             <a:endParaRPr lang="en-US"/>
           </a:p>
@@ -867,7 +867,7 @@
           <a:p>
             <a:fld id="{2C267EC4-01EB-6746-88D9-CD2C789C4F7B}" type="datetimeFigureOut">
               <a:rPr lang="en-US" smtClean="0"/>
-              <a:t>9/25/19</a:t>
+              <a:t>10/21/19</a:t>
             </a:fld>
             <a:endParaRPr lang="en-US"/>
           </a:p>
@@ -1142,7 +1142,7 @@
           <a:p>
             <a:fld id="{2C267EC4-01EB-6746-88D9-CD2C789C4F7B}" type="datetimeFigureOut">
               <a:rPr lang="en-US" smtClean="0"/>
-              <a:t>9/25/19</a:t>
+              <a:t>10/21/19</a:t>
             </a:fld>
             <a:endParaRPr lang="en-US"/>
           </a:p>
@@ -1407,7 +1407,7 @@
           <a:p>
             <a:fld id="{2C267EC4-01EB-6746-88D9-CD2C789C4F7B}" type="datetimeFigureOut">
               <a:rPr lang="en-US" smtClean="0"/>
-              <a:t>9/25/19</a:t>
+              <a:t>10/21/19</a:t>
             </a:fld>
             <a:endParaRPr lang="en-US"/>
           </a:p>
@@ -1819,7 +1819,7 @@
           <a:p>
             <a:fld id="{2C267EC4-01EB-6746-88D9-CD2C789C4F7B}" type="datetimeFigureOut">
               <a:rPr lang="en-US" smtClean="0"/>
-              <a:t>9/25/19</a:t>
+              <a:t>10/21/19</a:t>
             </a:fld>
             <a:endParaRPr lang="en-US"/>
           </a:p>
@@ -1960,7 +1960,7 @@
           <a:p>
             <a:fld id="{2C267EC4-01EB-6746-88D9-CD2C789C4F7B}" type="datetimeFigureOut">
               <a:rPr lang="en-US" smtClean="0"/>
-              <a:t>9/25/19</a:t>
+              <a:t>10/21/19</a:t>
             </a:fld>
             <a:endParaRPr lang="en-US"/>
           </a:p>
@@ -2073,7 +2073,7 @@
           <a:p>
             <a:fld id="{2C267EC4-01EB-6746-88D9-CD2C789C4F7B}" type="datetimeFigureOut">
               <a:rPr lang="en-US" smtClean="0"/>
-              <a:t>9/25/19</a:t>
+              <a:t>10/21/19</a:t>
             </a:fld>
             <a:endParaRPr lang="en-US"/>
           </a:p>
@@ -2384,7 +2384,7 @@
           <a:p>
             <a:fld id="{2C267EC4-01EB-6746-88D9-CD2C789C4F7B}" type="datetimeFigureOut">
               <a:rPr lang="en-US" smtClean="0"/>
-              <a:t>9/25/19</a:t>
+              <a:t>10/21/19</a:t>
             </a:fld>
             <a:endParaRPr lang="en-US"/>
           </a:p>
@@ -2672,7 +2672,7 @@
           <a:p>
             <a:fld id="{2C267EC4-01EB-6746-88D9-CD2C789C4F7B}" type="datetimeFigureOut">
               <a:rPr lang="en-US" smtClean="0"/>
-              <a:t>9/25/19</a:t>
+              <a:t>10/21/19</a:t>
             </a:fld>
             <a:endParaRPr lang="en-US"/>
           </a:p>
@@ -2913,7 +2913,7 @@
           <a:p>
             <a:fld id="{2C267EC4-01EB-6746-88D9-CD2C789C4F7B}" type="datetimeFigureOut">
               <a:rPr lang="en-US" smtClean="0"/>
-              <a:t>9/25/19</a:t>
+              <a:t>10/21/19</a:t>
             </a:fld>
             <a:endParaRPr lang="en-US"/>
           </a:p>
@@ -3344,10 +3344,10 @@
         </p:nvGrpSpPr>
         <p:grpSpPr>
           <a:xfrm>
-            <a:off x="-103392" y="1728435"/>
-            <a:ext cx="12191314" cy="3238764"/>
-            <a:chOff x="-103392" y="1728435"/>
-            <a:chExt cx="12191314" cy="3238764"/>
+            <a:off x="-156130" y="1728435"/>
+            <a:ext cx="12244052" cy="3238764"/>
+            <a:chOff x="-156130" y="1728435"/>
+            <a:chExt cx="12244052" cy="3238764"/>
           </a:xfrm>
         </p:grpSpPr>
         <p:cxnSp>
@@ -3702,8 +3702,8 @@
           </p:nvSpPr>
           <p:spPr>
             <a:xfrm>
-              <a:off x="-103392" y="4628645"/>
-              <a:ext cx="2001638" cy="338554"/>
+              <a:off x="-156130" y="4628645"/>
+              <a:ext cx="2107115" cy="338554"/>
             </a:xfrm>
             <a:prstGeom prst="rect">
               <a:avLst/>
@@ -3719,7 +3719,7 @@
               <a:pPr algn="ctr"/>
               <a:r>
                 <a:rPr lang="en-US" sz="1600" dirty="0" err="1"/>
-                <a:t>starttracking.message</a:t>
+                <a:t>start_tracking.message</a:t>
               </a:r>
               <a:endParaRPr lang="en-US" sz="1600" dirty="0"/>
             </a:p>
@@ -3741,8 +3741,8 @@
           </p:nvCxnSpPr>
           <p:spPr>
             <a:xfrm flipV="1">
-              <a:off x="897427" y="3945523"/>
-              <a:ext cx="340358" cy="683122"/>
+              <a:off x="897428" y="3945523"/>
+              <a:ext cx="340357" cy="683122"/>
             </a:xfrm>
             <a:prstGeom prst="straightConnector1">
               <a:avLst/>
@@ -3783,8 +3783,8 @@
           </p:nvSpPr>
           <p:spPr>
             <a:xfrm>
-              <a:off x="4047121" y="4628645"/>
-              <a:ext cx="1755995" cy="338554"/>
+              <a:off x="3995826" y="4628645"/>
+              <a:ext cx="1858586" cy="338554"/>
             </a:xfrm>
             <a:prstGeom prst="rect">
               <a:avLst/>
@@ -3800,7 +3800,7 @@
               <a:pPr algn="ctr"/>
               <a:r>
                 <a:rPr lang="en-US" sz="1600" dirty="0" err="1"/>
-                <a:t>trialonset.message</a:t>
+                <a:t>trial_onset.message</a:t>
               </a:r>
               <a:endParaRPr lang="en-US" sz="1600" dirty="0"/>
             </a:p>
@@ -3865,8 +3865,8 @@
           </p:nvSpPr>
           <p:spPr>
             <a:xfrm>
-              <a:off x="3070769" y="3590688"/>
-              <a:ext cx="1556516" cy="338554"/>
+              <a:off x="3018928" y="3590688"/>
+              <a:ext cx="1660199" cy="338554"/>
             </a:xfrm>
             <a:prstGeom prst="rect">
               <a:avLst/>
@@ -3882,7 +3882,7 @@
               <a:pPr algn="ctr"/>
               <a:r>
                 <a:rPr lang="en-US" sz="1600" dirty="0" err="1"/>
-                <a:t>pretrial.duration</a:t>
+                <a:t>pre_trial.duration</a:t>
               </a:r>
               <a:endParaRPr lang="en-US" sz="1600" dirty="0"/>
             </a:p>
@@ -4054,8 +4054,8 @@
           </p:nvSpPr>
           <p:spPr>
             <a:xfrm>
-              <a:off x="6637466" y="4628645"/>
-              <a:ext cx="1616405" cy="338554"/>
+              <a:off x="6585304" y="4628645"/>
+              <a:ext cx="1720728" cy="338554"/>
             </a:xfrm>
             <a:prstGeom prst="rect">
               <a:avLst/>
@@ -4071,7 +4071,7 @@
               <a:pPr algn="ctr"/>
               <a:r>
                 <a:rPr lang="en-US" sz="1600" dirty="0" err="1"/>
-                <a:t>bconset.message</a:t>
+                <a:t>bc_onset.message</a:t>
               </a:r>
               <a:endParaRPr lang="en-US" sz="1600" dirty="0"/>
             </a:p>
@@ -4094,8 +4094,8 @@
           </p:nvCxnSpPr>
           <p:spPr>
             <a:xfrm flipV="1">
-              <a:off x="7445669" y="3771901"/>
-              <a:ext cx="0" cy="856744"/>
+              <a:off x="7445668" y="3771901"/>
+              <a:ext cx="1" cy="856744"/>
             </a:xfrm>
             <a:prstGeom prst="straightConnector1">
               <a:avLst/>
@@ -4180,8 +4180,8 @@
           </p:nvSpPr>
           <p:spPr>
             <a:xfrm>
-              <a:off x="5735146" y="3622430"/>
-              <a:ext cx="1419748" cy="338554"/>
+              <a:off x="5683850" y="3622430"/>
+              <a:ext cx="1522341" cy="338554"/>
             </a:xfrm>
             <a:prstGeom prst="rect">
               <a:avLst/>
@@ -4197,7 +4197,7 @@
               <a:pPr algn="ctr"/>
               <a:r>
                 <a:rPr lang="en-US" sz="1600" dirty="0" err="1"/>
-                <a:t>prebc.duration</a:t>
+                <a:t>pre_bc.duration</a:t>
               </a:r>
               <a:endParaRPr lang="en-US" sz="1600" dirty="0"/>
             </a:p>
@@ -4402,10 +4402,10 @@
         </p:nvGrpSpPr>
         <p:grpSpPr>
           <a:xfrm>
-            <a:off x="-103392" y="1728435"/>
-            <a:ext cx="12191314" cy="3238764"/>
-            <a:chOff x="-103392" y="1728435"/>
-            <a:chExt cx="12191314" cy="3238764"/>
+            <a:off x="-156130" y="1728435"/>
+            <a:ext cx="12244052" cy="3238764"/>
+            <a:chOff x="-156130" y="1728435"/>
+            <a:chExt cx="12244052" cy="3238764"/>
           </a:xfrm>
         </p:grpSpPr>
         <p:cxnSp>
@@ -4465,8 +4465,8 @@
           </p:nvSpPr>
           <p:spPr>
             <a:xfrm>
-              <a:off x="3070769" y="3590688"/>
-              <a:ext cx="1556516" cy="338554"/>
+              <a:off x="3018928" y="3590688"/>
+              <a:ext cx="1660199" cy="338554"/>
             </a:xfrm>
             <a:prstGeom prst="rect">
               <a:avLst/>
@@ -4479,9 +4479,10 @@
             </a:bodyPr>
             <a:lstStyle/>
             <a:p>
+              <a:pPr algn="ctr"/>
               <a:r>
                 <a:rPr lang="en-US" sz="1600" dirty="0" err="1"/>
-                <a:t>pretrial.duration</a:t>
+                <a:t>pre_trial.duration</a:t>
               </a:r>
               <a:endParaRPr lang="en-US" sz="1600" dirty="0"/>
             </a:p>
@@ -4815,8 +4816,8 @@
           </p:nvSpPr>
           <p:spPr>
             <a:xfrm>
-              <a:off x="5735146" y="3622430"/>
-              <a:ext cx="1419748" cy="338554"/>
+              <a:off x="5683850" y="3622430"/>
+              <a:ext cx="1522341" cy="338554"/>
             </a:xfrm>
             <a:prstGeom prst="rect">
               <a:avLst/>
@@ -4832,7 +4833,7 @@
               <a:pPr algn="ctr"/>
               <a:r>
                 <a:rPr lang="en-US" sz="1600" dirty="0" err="1"/>
-                <a:t>prebc.duration</a:t>
+                <a:t>pre_bc.duration</a:t>
               </a:r>
               <a:endParaRPr lang="en-US" sz="1600" dirty="0"/>
             </a:p>
@@ -4978,8 +4979,8 @@
           </p:nvSpPr>
           <p:spPr>
             <a:xfrm>
-              <a:off x="-103392" y="4628645"/>
-              <a:ext cx="2001638" cy="338554"/>
+              <a:off x="-156130" y="4628645"/>
+              <a:ext cx="2107115" cy="338554"/>
             </a:xfrm>
             <a:prstGeom prst="rect">
               <a:avLst/>
@@ -4995,7 +4996,7 @@
               <a:pPr algn="ctr"/>
               <a:r>
                 <a:rPr lang="en-US" sz="1600" dirty="0" err="1"/>
-                <a:t>starttracking.message</a:t>
+                <a:t>start_tracking.message</a:t>
               </a:r>
               <a:endParaRPr lang="en-US" sz="1600" dirty="0"/>
             </a:p>
@@ -5015,8 +5016,8 @@
           </p:nvSpPr>
           <p:spPr>
             <a:xfrm>
-              <a:off x="4047121" y="4628645"/>
-              <a:ext cx="1755995" cy="338554"/>
+              <a:off x="3995826" y="4628645"/>
+              <a:ext cx="1858586" cy="338554"/>
             </a:xfrm>
             <a:prstGeom prst="rect">
               <a:avLst/>
@@ -5032,7 +5033,7 @@
               <a:pPr algn="ctr"/>
               <a:r>
                 <a:rPr lang="en-US" sz="1600" dirty="0" err="1"/>
-                <a:t>trialonset.message</a:t>
+                <a:t>trial_onset.message</a:t>
               </a:r>
               <a:endParaRPr lang="en-US" sz="1600" dirty="0"/>
             </a:p>
@@ -5052,8 +5053,8 @@
           </p:nvSpPr>
           <p:spPr>
             <a:xfrm>
-              <a:off x="6637466" y="4628645"/>
-              <a:ext cx="1616405" cy="338554"/>
+              <a:off x="6585305" y="4628645"/>
+              <a:ext cx="1720727" cy="338554"/>
             </a:xfrm>
             <a:prstGeom prst="rect">
               <a:avLst/>
@@ -5069,7 +5070,7 @@
               <a:pPr algn="ctr"/>
               <a:r>
                 <a:rPr lang="en-US" sz="1600" dirty="0" err="1"/>
-                <a:t>bconset.message</a:t>
+                <a:t>bc_onset.message</a:t>
               </a:r>
               <a:endParaRPr lang="en-US" sz="1600" dirty="0"/>
             </a:p>
@@ -5156,10 +5157,10 @@
         </p:nvGrpSpPr>
         <p:grpSpPr>
           <a:xfrm>
-            <a:off x="-834912" y="524210"/>
-            <a:ext cx="12922834" cy="5672518"/>
-            <a:chOff x="-834912" y="524210"/>
-            <a:chExt cx="12922834" cy="5672518"/>
+            <a:off x="-887650" y="524210"/>
+            <a:ext cx="12975572" cy="5672518"/>
+            <a:chOff x="-887650" y="524210"/>
+            <a:chExt cx="12975572" cy="5672518"/>
           </a:xfrm>
         </p:grpSpPr>
         <p:cxnSp>
@@ -5514,8 +5515,8 @@
           </p:nvSpPr>
           <p:spPr>
             <a:xfrm>
-              <a:off x="-834912" y="4628645"/>
-              <a:ext cx="2001638" cy="338554"/>
+              <a:off x="-887650" y="4628645"/>
+              <a:ext cx="2107115" cy="338554"/>
             </a:xfrm>
             <a:prstGeom prst="rect">
               <a:avLst/>
@@ -5531,7 +5532,7 @@
               <a:pPr algn="ctr"/>
               <a:r>
                 <a:rPr lang="en-US" sz="1600" dirty="0" err="1"/>
-                <a:t>starttracking.message</a:t>
+                <a:t>start_tracking.message</a:t>
               </a:r>
               <a:endParaRPr lang="en-US" sz="1600" dirty="0"/>
             </a:p>
@@ -5553,8 +5554,8 @@
           </p:nvCxnSpPr>
           <p:spPr>
             <a:xfrm flipV="1">
-              <a:off x="165907" y="3945523"/>
-              <a:ext cx="340358" cy="683122"/>
+              <a:off x="165908" y="3945523"/>
+              <a:ext cx="340357" cy="683122"/>
             </a:xfrm>
             <a:prstGeom prst="straightConnector1">
               <a:avLst/>
@@ -5595,8 +5596,8 @@
           </p:nvSpPr>
           <p:spPr>
             <a:xfrm>
-              <a:off x="3315601" y="4628645"/>
-              <a:ext cx="1755995" cy="338554"/>
+              <a:off x="3264306" y="4628645"/>
+              <a:ext cx="1858586" cy="338554"/>
             </a:xfrm>
             <a:prstGeom prst="rect">
               <a:avLst/>
@@ -5612,7 +5613,7 @@
               <a:pPr algn="ctr"/>
               <a:r>
                 <a:rPr lang="en-US" sz="1600" dirty="0" err="1"/>
-                <a:t>trialonset.message</a:t>
+                <a:t>trial_onset.message</a:t>
               </a:r>
               <a:endParaRPr lang="en-US" sz="1600" dirty="0"/>
             </a:p>
@@ -5677,8 +5678,8 @@
           </p:nvSpPr>
           <p:spPr>
             <a:xfrm>
-              <a:off x="2339249" y="3590688"/>
-              <a:ext cx="1556516" cy="338554"/>
+              <a:off x="2287408" y="3590688"/>
+              <a:ext cx="1660199" cy="338554"/>
             </a:xfrm>
             <a:prstGeom prst="rect">
               <a:avLst/>
@@ -5694,7 +5695,7 @@
               <a:pPr algn="ctr"/>
               <a:r>
                 <a:rPr lang="en-US" sz="1600" dirty="0" err="1"/>
-                <a:t>pretrial.duration</a:t>
+                <a:t>pre_trial.duration</a:t>
               </a:r>
               <a:endParaRPr lang="en-US" sz="1600" dirty="0"/>
             </a:p>
@@ -5830,8 +5831,8 @@
           </p:nvSpPr>
           <p:spPr>
             <a:xfrm>
-              <a:off x="3385396" y="5858174"/>
-              <a:ext cx="1616405" cy="338554"/>
+              <a:off x="3333235" y="5858174"/>
+              <a:ext cx="1720727" cy="338554"/>
             </a:xfrm>
             <a:prstGeom prst="rect">
               <a:avLst/>
@@ -5847,7 +5848,7 @@
               <a:pPr algn="ctr"/>
               <a:r>
                 <a:rPr lang="en-US" sz="1600" dirty="0" err="1"/>
-                <a:t>bconset.message</a:t>
+                <a:t>bc_onset.message</a:t>
               </a:r>
               <a:endParaRPr lang="en-US" sz="1600" dirty="0"/>
             </a:p>
@@ -5956,8 +5957,8 @@
           </p:nvSpPr>
           <p:spPr>
             <a:xfrm>
-              <a:off x="2666060" y="2880137"/>
-              <a:ext cx="1419748" cy="338554"/>
+              <a:off x="2614764" y="2880137"/>
+              <a:ext cx="1522341" cy="338554"/>
             </a:xfrm>
             <a:prstGeom prst="rect">
               <a:avLst/>
@@ -5973,7 +5974,7 @@
               <a:pPr algn="ctr"/>
               <a:r>
                 <a:rPr lang="en-US" sz="1600" dirty="0" err="1"/>
-                <a:t>prebc.duration</a:t>
+                <a:t>pre_bc.duration</a:t>
               </a:r>
               <a:endParaRPr lang="en-US" sz="1600" dirty="0"/>
             </a:p>
@@ -6842,10 +6843,10 @@
         </p:nvGrpSpPr>
         <p:grpSpPr>
           <a:xfrm>
-            <a:off x="-834912" y="524210"/>
-            <a:ext cx="12922834" cy="5672518"/>
-            <a:chOff x="-834912" y="524210"/>
-            <a:chExt cx="12922834" cy="5672518"/>
+            <a:off x="-887650" y="524210"/>
+            <a:ext cx="12975572" cy="5672518"/>
+            <a:chOff x="-887650" y="524210"/>
+            <a:chExt cx="12975572" cy="5672518"/>
           </a:xfrm>
         </p:grpSpPr>
         <p:cxnSp>
@@ -7115,8 +7116,8 @@
           </p:nvSpPr>
           <p:spPr>
             <a:xfrm>
-              <a:off x="-834912" y="4628645"/>
-              <a:ext cx="2001638" cy="338554"/>
+              <a:off x="-887650" y="4628645"/>
+              <a:ext cx="2107115" cy="338554"/>
             </a:xfrm>
             <a:prstGeom prst="rect">
               <a:avLst/>
@@ -7132,7 +7133,7 @@
               <a:pPr algn="ctr"/>
               <a:r>
                 <a:rPr lang="en-US" sz="1600" dirty="0" err="1"/>
-                <a:t>starttracking.message</a:t>
+                <a:t>start_tracking.message</a:t>
               </a:r>
               <a:endParaRPr lang="en-US" sz="1600" dirty="0"/>
             </a:p>
@@ -7155,8 +7156,8 @@
           </p:nvCxnSpPr>
           <p:spPr>
             <a:xfrm flipV="1">
-              <a:off x="165907" y="3680236"/>
-              <a:ext cx="1114253" cy="948409"/>
+              <a:off x="165908" y="3680237"/>
+              <a:ext cx="1114252" cy="948408"/>
             </a:xfrm>
             <a:prstGeom prst="straightConnector1">
               <a:avLst/>
@@ -7197,8 +7198,8 @@
           </p:nvSpPr>
           <p:spPr>
             <a:xfrm>
-              <a:off x="3315601" y="4628645"/>
-              <a:ext cx="1755995" cy="338554"/>
+              <a:off x="3264306" y="4628645"/>
+              <a:ext cx="1858586" cy="338554"/>
             </a:xfrm>
             <a:prstGeom prst="rect">
               <a:avLst/>
@@ -7214,7 +7215,7 @@
               <a:pPr algn="ctr"/>
               <a:r>
                 <a:rPr lang="en-US" sz="1600" dirty="0" err="1"/>
-                <a:t>trialonset.message</a:t>
+                <a:t>trial_onset.message</a:t>
               </a:r>
               <a:endParaRPr lang="en-US" sz="1600" dirty="0"/>
             </a:p>
@@ -7279,8 +7280,8 @@
           </p:nvSpPr>
           <p:spPr>
             <a:xfrm>
-              <a:off x="2339249" y="3590688"/>
-              <a:ext cx="1556516" cy="338554"/>
+              <a:off x="2287408" y="3590688"/>
+              <a:ext cx="1660199" cy="338554"/>
             </a:xfrm>
             <a:prstGeom prst="rect">
               <a:avLst/>
@@ -7296,7 +7297,7 @@
               <a:pPr algn="ctr"/>
               <a:r>
                 <a:rPr lang="en-US" sz="1600" dirty="0" err="1"/>
-                <a:t>pretrial.duration</a:t>
+                <a:t>pre_trial.duration</a:t>
               </a:r>
               <a:endParaRPr lang="en-US" sz="1600" dirty="0"/>
             </a:p>
@@ -7360,8 +7361,8 @@
           </p:nvSpPr>
           <p:spPr>
             <a:xfrm>
-              <a:off x="3385396" y="5858174"/>
-              <a:ext cx="1616405" cy="338554"/>
+              <a:off x="3333235" y="5858174"/>
+              <a:ext cx="1720727" cy="338554"/>
             </a:xfrm>
             <a:prstGeom prst="rect">
               <a:avLst/>
@@ -7377,7 +7378,7 @@
               <a:pPr algn="ctr"/>
               <a:r>
                 <a:rPr lang="en-US" sz="1600" dirty="0" err="1"/>
-                <a:t>bconset.message</a:t>
+                <a:t>bc_onset.message</a:t>
               </a:r>
               <a:endParaRPr lang="en-US" sz="1600" dirty="0"/>
             </a:p>
@@ -7486,8 +7487,8 @@
           </p:nvSpPr>
           <p:spPr>
             <a:xfrm>
-              <a:off x="2666060" y="2880137"/>
-              <a:ext cx="1419748" cy="338554"/>
+              <a:off x="2614764" y="2880137"/>
+              <a:ext cx="1522341" cy="338554"/>
             </a:xfrm>
             <a:prstGeom prst="rect">
               <a:avLst/>
@@ -7503,7 +7504,7 @@
               <a:pPr algn="ctr"/>
               <a:r>
                 <a:rPr lang="en-US" sz="1600" dirty="0" err="1"/>
-                <a:t>prebc.duration</a:t>
+                <a:t>pre_bc.duration</a:t>
               </a:r>
               <a:endParaRPr lang="en-US" sz="1600" dirty="0"/>
             </a:p>
@@ -8131,10 +8132,10 @@
         </p:nvGrpSpPr>
         <p:grpSpPr>
           <a:xfrm>
-            <a:off x="-834912" y="524210"/>
-            <a:ext cx="12922834" cy="5672518"/>
-            <a:chOff x="-834912" y="524210"/>
-            <a:chExt cx="12922834" cy="5672518"/>
+            <a:off x="-887650" y="524210"/>
+            <a:ext cx="12975572" cy="5672518"/>
+            <a:chOff x="-887650" y="524210"/>
+            <a:chExt cx="12975572" cy="5672518"/>
           </a:xfrm>
         </p:grpSpPr>
         <p:grpSp>
@@ -8151,10 +8152,10 @@
           </p:nvGrpSpPr>
           <p:grpSpPr>
             <a:xfrm>
-              <a:off x="-834912" y="524210"/>
-              <a:ext cx="12922834" cy="5672518"/>
-              <a:chOff x="-834912" y="524210"/>
-              <a:chExt cx="12922834" cy="5672518"/>
+              <a:off x="-887650" y="524210"/>
+              <a:ext cx="12975572" cy="5672518"/>
+              <a:chOff x="-887650" y="524210"/>
+              <a:chExt cx="12975572" cy="5672518"/>
             </a:xfrm>
           </p:grpSpPr>
           <p:cxnSp>
@@ -8421,8 +8422,8 @@
             </p:nvSpPr>
             <p:spPr>
               <a:xfrm>
-                <a:off x="-834912" y="4628645"/>
-                <a:ext cx="2001638" cy="338554"/>
+                <a:off x="-887650" y="4628645"/>
+                <a:ext cx="2107115" cy="338554"/>
               </a:xfrm>
               <a:prstGeom prst="rect">
                 <a:avLst/>
@@ -8438,7 +8439,7 @@
                 <a:pPr algn="ctr"/>
                 <a:r>
                   <a:rPr lang="en-US" sz="1600" dirty="0" err="1"/>
-                  <a:t>starttracking.message</a:t>
+                  <a:t>start_tracking.message</a:t>
                 </a:r>
                 <a:endParaRPr lang="en-US" sz="1600" dirty="0"/>
               </a:p>
@@ -8458,8 +8459,8 @@
             </p:nvSpPr>
             <p:spPr>
               <a:xfrm>
-                <a:off x="3315601" y="4628645"/>
-                <a:ext cx="1755995" cy="338554"/>
+                <a:off x="3264306" y="4628645"/>
+                <a:ext cx="1858586" cy="338554"/>
               </a:xfrm>
               <a:prstGeom prst="rect">
                 <a:avLst/>
@@ -8475,7 +8476,7 @@
                 <a:pPr algn="ctr"/>
                 <a:r>
                   <a:rPr lang="en-US" sz="1600" dirty="0" err="1"/>
-                  <a:t>trialonset.message</a:t>
+                  <a:t>trial_onset.message</a:t>
                 </a:r>
                 <a:endParaRPr lang="en-US" sz="1600" dirty="0"/>
               </a:p>
@@ -8540,8 +8541,8 @@
             </p:nvSpPr>
             <p:spPr>
               <a:xfrm>
-                <a:off x="2339249" y="3590688"/>
-                <a:ext cx="1556516" cy="338554"/>
+                <a:off x="2287408" y="3590688"/>
+                <a:ext cx="1660199" cy="338554"/>
               </a:xfrm>
               <a:prstGeom prst="rect">
                 <a:avLst/>
@@ -8557,7 +8558,7 @@
                 <a:pPr algn="ctr"/>
                 <a:r>
                   <a:rPr lang="en-US" sz="1600" dirty="0" err="1"/>
-                  <a:t>pretrial.duration</a:t>
+                  <a:t>pre_trial.duration</a:t>
                 </a:r>
                 <a:endParaRPr lang="en-US" sz="1600" dirty="0"/>
               </a:p>
@@ -8693,8 +8694,8 @@
             </p:nvSpPr>
             <p:spPr>
               <a:xfrm>
-                <a:off x="3385396" y="5858174"/>
-                <a:ext cx="1616405" cy="338554"/>
+                <a:off x="3333235" y="5858174"/>
+                <a:ext cx="1720727" cy="338554"/>
               </a:xfrm>
               <a:prstGeom prst="rect">
                 <a:avLst/>
@@ -8710,7 +8711,7 @@
                 <a:pPr algn="ctr"/>
                 <a:r>
                   <a:rPr lang="en-US" sz="1600" dirty="0" err="1"/>
-                  <a:t>bconset.message</a:t>
+                  <a:t>bc_onset.message</a:t>
                 </a:r>
                 <a:endParaRPr lang="en-US" sz="1600" dirty="0"/>
               </a:p>
@@ -8819,8 +8820,8 @@
             </p:nvSpPr>
             <p:spPr>
               <a:xfrm>
-                <a:off x="2666060" y="2880137"/>
-                <a:ext cx="1419748" cy="338554"/>
+                <a:off x="2614764" y="2880137"/>
+                <a:ext cx="1522341" cy="338554"/>
               </a:xfrm>
               <a:prstGeom prst="rect">
                 <a:avLst/>
@@ -8836,7 +8837,7 @@
                 <a:pPr algn="ctr"/>
                 <a:r>
                   <a:rPr lang="en-US" sz="1600" dirty="0" err="1"/>
-                  <a:t>prebc.duration</a:t>
+                  <a:t>pre_bc.duration</a:t>
                 </a:r>
                 <a:endParaRPr lang="en-US" sz="1600" dirty="0"/>
               </a:p>
